--- a/Documents/Car Engage Report.pptx
+++ b/Documents/Car Engage Report.pptx
@@ -18,16 +18,17 @@
     <p:sldId id="263" r:id="rId13"/>
     <p:sldId id="264" r:id="rId14"/>
     <p:sldId id="265" r:id="rId15"/>
+    <p:sldId id="266" r:id="rId16"/>
   </p:sldIdLst>
   <p:sldSz cy="5143500" cx="9144000"/>
   <p:notesSz cx="6858000" cy="9144000"/>
   <p:embeddedFontLst>
     <p:embeddedFont>
       <p:font typeface="Nunito"/>
-      <p:regular r:id="rId16"/>
-      <p:bold r:id="rId17"/>
-      <p:italic r:id="rId18"/>
-      <p:boldItalic r:id="rId19"/>
+      <p:regular r:id="rId17"/>
+      <p:bold r:id="rId18"/>
+      <p:italic r:id="rId19"/>
+      <p:boldItalic r:id="rId20"/>
     </p:embeddedFont>
   </p:embeddedFontLst>
   <p:defaultTextStyle>
@@ -808,7 +809,7 @@
   <p:cSld>
     <p:spTree>
       <p:nvGrpSpPr>
-        <p:cNvPr id="186" name="Shape 186"/>
+        <p:cNvPr id="185" name="Shape 185"/>
         <p:cNvGrpSpPr/>
         <p:nvPr/>
       </p:nvGrpSpPr>
@@ -822,7 +823,7 @@
       </p:grpSpPr>
       <p:sp>
         <p:nvSpPr>
-          <p:cNvPr id="187" name="Google Shape;187;g12f6b8caccc_1_736:notes"/>
+          <p:cNvPr id="186" name="Google Shape;186;g12f6b8caccc_1_729:notes"/>
           <p:cNvSpPr/>
           <p:nvPr>
             <p:ph idx="2" type="sldImg"/>
@@ -857,7 +858,106 @@
       </p:sp>
       <p:sp>
         <p:nvSpPr>
-          <p:cNvPr id="188" name="Google Shape;188;g12f6b8caccc_1_736:notes"/>
+          <p:cNvPr id="187" name="Google Shape;187;g12f6b8caccc_1_729:notes"/>
+          <p:cNvSpPr txBox="1"/>
+          <p:nvPr>
+            <p:ph idx="1" type="body"/>
+          </p:nvPr>
+        </p:nvSpPr>
+        <p:spPr>
+          <a:xfrm>
+            <a:off x="685800" y="4343400"/>
+            <a:ext cx="5486400" cy="4114800"/>
+          </a:xfrm>
+          <a:prstGeom prst="rect">
+            <a:avLst/>
+          </a:prstGeom>
+        </p:spPr>
+        <p:txBody>
+          <a:bodyPr anchorCtr="0" anchor="t" bIns="91425" lIns="91425" spcFirstLastPara="1" rIns="91425" wrap="square" tIns="91425">
+            <a:noAutofit/>
+          </a:bodyPr>
+          <a:lstStyle/>
+          <a:p>
+            <a:pPr indent="0" lvl="0" marL="0" rtl="0" algn="l">
+              <a:spcBef>
+                <a:spcPts val="0"/>
+              </a:spcBef>
+              <a:spcAft>
+                <a:spcPts val="0"/>
+              </a:spcAft>
+              <a:buNone/>
+            </a:pPr>
+            <a:r>
+              <a:t/>
+            </a:r>
+            <a:endParaRPr/>
+          </a:p>
+        </p:txBody>
+      </p:sp>
+    </p:spTree>
+  </p:cSld>
+  <p:clrMapOvr>
+    <a:masterClrMapping/>
+  </p:clrMapOvr>
+</p:notes>
+</file>
+
+<file path=ppt/notesSlides/notesSlide11.xml><?xml version="1.0" encoding="utf-8"?>
+<p:notes xmlns:a="http://schemas.openxmlformats.org/drawingml/2006/main" xmlns:r="http://schemas.openxmlformats.org/officeDocument/2006/relationships" xmlns:mc="http://schemas.openxmlformats.org/markup-compatibility/2006" xmlns:mv="urn:schemas-microsoft-com:mac:vml" xmlns:p="http://schemas.openxmlformats.org/presentationml/2006/main" xmlns:c="http://schemas.openxmlformats.org/drawingml/2006/chart" xmlns:dgm="http://schemas.openxmlformats.org/drawingml/2006/diagram" xmlns:o="urn:schemas-microsoft-com:office:office" xmlns:v="urn:schemas-microsoft-com:vml" xmlns:pvml="urn:schemas-microsoft-com:office:powerpoint" xmlns:com="http://schemas.openxmlformats.org/drawingml/2006/compatibility" xmlns:p14="http://schemas.microsoft.com/office/powerpoint/2010/main" xmlns:p15="http://schemas.microsoft.com/office/powerpoint/2012/main" xmlns:ahyp="http://schemas.microsoft.com/office/drawing/2018/hyperlinkcolor" showMasterPhAnim="0" showMasterSp="0">
+  <p:cSld>
+    <p:spTree>
+      <p:nvGrpSpPr>
+        <p:cNvPr id="192" name="Shape 192"/>
+        <p:cNvGrpSpPr/>
+        <p:nvPr/>
+      </p:nvGrpSpPr>
+      <p:grpSpPr>
+        <a:xfrm>
+          <a:off x="0" y="0"/>
+          <a:ext cx="0" cy="0"/>
+          <a:chOff x="0" y="0"/>
+          <a:chExt cx="0" cy="0"/>
+        </a:xfrm>
+      </p:grpSpPr>
+      <p:sp>
+        <p:nvSpPr>
+          <p:cNvPr id="193" name="Google Shape;193;g12f6b8caccc_1_736:notes"/>
+          <p:cNvSpPr/>
+          <p:nvPr>
+            <p:ph idx="2" type="sldImg"/>
+          </p:nvPr>
+        </p:nvSpPr>
+        <p:spPr>
+          <a:xfrm>
+            <a:off x="381300" y="685800"/>
+            <a:ext cx="6096000" cy="3429000"/>
+          </a:xfrm>
+          <a:custGeom>
+            <a:rect b="b" l="l" r="r" t="t"/>
+            <a:pathLst>
+              <a:path extrusionOk="0" h="120000" w="120000">
+                <a:moveTo>
+                  <a:pt x="0" y="0"/>
+                </a:moveTo>
+                <a:lnTo>
+                  <a:pt x="120000" y="0"/>
+                </a:lnTo>
+                <a:lnTo>
+                  <a:pt x="120000" y="120000"/>
+                </a:lnTo>
+                <a:lnTo>
+                  <a:pt x="0" y="120000"/>
+                </a:lnTo>
+                <a:close/>
+              </a:path>
+            </a:pathLst>
+          </a:custGeom>
+        </p:spPr>
+      </p:sp>
+      <p:sp>
+        <p:nvSpPr>
+          <p:cNvPr id="194" name="Google Shape;194;g12f6b8caccc_1_736:notes"/>
           <p:cNvSpPr txBox="1"/>
           <p:nvPr>
             <p:ph idx="1" type="body"/>
@@ -921,7 +1021,7 @@
       </p:grpSpPr>
       <p:sp>
         <p:nvSpPr>
-          <p:cNvPr id="131" name="Google Shape;131;g12f6b8caccc_1_2:notes"/>
+          <p:cNvPr id="131" name="Google Shape;131;g12f6b8caccc_1_862:notes"/>
           <p:cNvSpPr/>
           <p:nvPr>
             <p:ph idx="2" type="sldImg"/>
@@ -956,7 +1056,7 @@
       </p:sp>
       <p:sp>
         <p:nvSpPr>
-          <p:cNvPr id="132" name="Google Shape;132;g12f6b8caccc_1_2:notes"/>
+          <p:cNvPr id="132" name="Google Shape;132;g12f6b8caccc_1_862:notes"/>
           <p:cNvSpPr txBox="1"/>
           <p:nvPr>
             <p:ph idx="1" type="body"/>
@@ -1006,7 +1106,7 @@
   <p:cSld>
     <p:spTree>
       <p:nvGrpSpPr>
-        <p:cNvPr id="137" name="Shape 137"/>
+        <p:cNvPr id="136" name="Shape 136"/>
         <p:cNvGrpSpPr/>
         <p:nvPr/>
       </p:nvGrpSpPr>
@@ -1020,7 +1120,7 @@
       </p:grpSpPr>
       <p:sp>
         <p:nvSpPr>
-          <p:cNvPr id="138" name="Google Shape;138;g12f6b8caccc_1_688:notes"/>
+          <p:cNvPr id="137" name="Google Shape;137;g12f6b8caccc_1_2:notes"/>
           <p:cNvSpPr/>
           <p:nvPr>
             <p:ph idx="2" type="sldImg"/>
@@ -1055,7 +1155,7 @@
       </p:sp>
       <p:sp>
         <p:nvSpPr>
-          <p:cNvPr id="139" name="Google Shape;139;g12f6b8caccc_1_688:notes"/>
+          <p:cNvPr id="138" name="Google Shape;138;g12f6b8caccc_1_2:notes"/>
           <p:cNvSpPr txBox="1"/>
           <p:nvPr>
             <p:ph idx="1" type="body"/>
@@ -1105,7 +1205,7 @@
   <p:cSld>
     <p:spTree>
       <p:nvGrpSpPr>
-        <p:cNvPr id="144" name="Shape 144"/>
+        <p:cNvPr id="143" name="Shape 143"/>
         <p:cNvGrpSpPr/>
         <p:nvPr/>
       </p:nvGrpSpPr>
@@ -1119,7 +1219,7 @@
       </p:grpSpPr>
       <p:sp>
         <p:nvSpPr>
-          <p:cNvPr id="145" name="Google Shape;145;g12f6b8caccc_1_694:notes"/>
+          <p:cNvPr id="144" name="Google Shape;144;g12f6b8caccc_1_688:notes"/>
           <p:cNvSpPr/>
           <p:nvPr>
             <p:ph idx="2" type="sldImg"/>
@@ -1154,7 +1254,7 @@
       </p:sp>
       <p:sp>
         <p:nvSpPr>
-          <p:cNvPr id="146" name="Google Shape;146;g12f6b8caccc_1_694:notes"/>
+          <p:cNvPr id="145" name="Google Shape;145;g12f6b8caccc_1_688:notes"/>
           <p:cNvSpPr txBox="1"/>
           <p:nvPr>
             <p:ph idx="1" type="body"/>
@@ -1204,7 +1304,7 @@
   <p:cSld>
     <p:spTree>
       <p:nvGrpSpPr>
-        <p:cNvPr id="151" name="Shape 151"/>
+        <p:cNvPr id="150" name="Shape 150"/>
         <p:cNvGrpSpPr/>
         <p:nvPr/>
       </p:nvGrpSpPr>
@@ -1218,7 +1318,7 @@
       </p:grpSpPr>
       <p:sp>
         <p:nvSpPr>
-          <p:cNvPr id="152" name="Google Shape;152;g12f6b8caccc_1_702:notes"/>
+          <p:cNvPr id="151" name="Google Shape;151;g12f6b8caccc_1_694:notes"/>
           <p:cNvSpPr/>
           <p:nvPr>
             <p:ph idx="2" type="sldImg"/>
@@ -1253,7 +1353,7 @@
       </p:sp>
       <p:sp>
         <p:nvSpPr>
-          <p:cNvPr id="153" name="Google Shape;153;g12f6b8caccc_1_702:notes"/>
+          <p:cNvPr id="152" name="Google Shape;152;g12f6b8caccc_1_694:notes"/>
           <p:cNvSpPr txBox="1"/>
           <p:nvPr>
             <p:ph idx="1" type="body"/>
@@ -1303,7 +1403,7 @@
   <p:cSld>
     <p:spTree>
       <p:nvGrpSpPr>
-        <p:cNvPr id="158" name="Shape 158"/>
+        <p:cNvPr id="157" name="Shape 157"/>
         <p:cNvGrpSpPr/>
         <p:nvPr/>
       </p:nvGrpSpPr>
@@ -1317,7 +1417,7 @@
       </p:grpSpPr>
       <p:sp>
         <p:nvSpPr>
-          <p:cNvPr id="159" name="Google Shape;159;g12f6b8caccc_1_708:notes"/>
+          <p:cNvPr id="158" name="Google Shape;158;g12f6b8caccc_1_702:notes"/>
           <p:cNvSpPr/>
           <p:nvPr>
             <p:ph idx="2" type="sldImg"/>
@@ -1352,7 +1452,7 @@
       </p:sp>
       <p:sp>
         <p:nvSpPr>
-          <p:cNvPr id="160" name="Google Shape;160;g12f6b8caccc_1_708:notes"/>
+          <p:cNvPr id="159" name="Google Shape;159;g12f6b8caccc_1_702:notes"/>
           <p:cNvSpPr txBox="1"/>
           <p:nvPr>
             <p:ph idx="1" type="body"/>
@@ -1402,7 +1502,7 @@
   <p:cSld>
     <p:spTree>
       <p:nvGrpSpPr>
-        <p:cNvPr id="165" name="Shape 165"/>
+        <p:cNvPr id="164" name="Shape 164"/>
         <p:cNvGrpSpPr/>
         <p:nvPr/>
       </p:nvGrpSpPr>
@@ -1416,7 +1516,7 @@
       </p:grpSpPr>
       <p:sp>
         <p:nvSpPr>
-          <p:cNvPr id="166" name="Google Shape;166;g12f6b8caccc_1_716:notes"/>
+          <p:cNvPr id="165" name="Google Shape;165;g12f6b8caccc_1_708:notes"/>
           <p:cNvSpPr/>
           <p:nvPr>
             <p:ph idx="2" type="sldImg"/>
@@ -1451,7 +1551,7 @@
       </p:sp>
       <p:sp>
         <p:nvSpPr>
-          <p:cNvPr id="167" name="Google Shape;167;g12f6b8caccc_1_716:notes"/>
+          <p:cNvPr id="166" name="Google Shape;166;g12f6b8caccc_1_708:notes"/>
           <p:cNvSpPr txBox="1"/>
           <p:nvPr>
             <p:ph idx="1" type="body"/>
@@ -1501,7 +1601,7 @@
   <p:cSld>
     <p:spTree>
       <p:nvGrpSpPr>
-        <p:cNvPr id="172" name="Shape 172"/>
+        <p:cNvPr id="171" name="Shape 171"/>
         <p:cNvGrpSpPr/>
         <p:nvPr/>
       </p:nvGrpSpPr>
@@ -1515,7 +1615,7 @@
       </p:grpSpPr>
       <p:sp>
         <p:nvSpPr>
-          <p:cNvPr id="173" name="Google Shape;173;g12f6b8caccc_1_723:notes"/>
+          <p:cNvPr id="172" name="Google Shape;172;g12f6b8caccc_1_716:notes"/>
           <p:cNvSpPr/>
           <p:nvPr>
             <p:ph idx="2" type="sldImg"/>
@@ -1550,7 +1650,7 @@
       </p:sp>
       <p:sp>
         <p:nvSpPr>
-          <p:cNvPr id="174" name="Google Shape;174;g12f6b8caccc_1_723:notes"/>
+          <p:cNvPr id="173" name="Google Shape;173;g12f6b8caccc_1_716:notes"/>
           <p:cNvSpPr txBox="1"/>
           <p:nvPr>
             <p:ph idx="1" type="body"/>
@@ -1600,7 +1700,7 @@
   <p:cSld>
     <p:spTree>
       <p:nvGrpSpPr>
-        <p:cNvPr id="179" name="Shape 179"/>
+        <p:cNvPr id="178" name="Shape 178"/>
         <p:cNvGrpSpPr/>
         <p:nvPr/>
       </p:nvGrpSpPr>
@@ -1614,7 +1714,7 @@
       </p:grpSpPr>
       <p:sp>
         <p:nvSpPr>
-          <p:cNvPr id="180" name="Google Shape;180;g12f6b8caccc_1_729:notes"/>
+          <p:cNvPr id="179" name="Google Shape;179;g12f6b8caccc_1_723:notes"/>
           <p:cNvSpPr/>
           <p:nvPr>
             <p:ph idx="2" type="sldImg"/>
@@ -1649,7 +1749,7 @@
       </p:sp>
       <p:sp>
         <p:nvSpPr>
-          <p:cNvPr id="181" name="Google Shape;181;g12f6b8caccc_1_729:notes"/>
+          <p:cNvPr id="180" name="Google Shape;180;g12f6b8caccc_1_723:notes"/>
           <p:cNvSpPr txBox="1"/>
           <p:nvPr>
             <p:ph idx="1" type="body"/>
@@ -9854,7 +9954,7 @@
         </p:blipFill>
         <p:spPr>
           <a:xfrm>
-            <a:off x="1858575" y="85650"/>
+            <a:off x="2075900" y="312575"/>
             <a:ext cx="4819350" cy="3134449"/>
           </a:xfrm>
           <a:prstGeom prst="rect">
@@ -9879,7 +9979,7 @@
   <p:cSld>
     <p:spTree>
       <p:nvGrpSpPr>
-        <p:cNvPr id="189" name="Shape 189"/>
+        <p:cNvPr id="188" name="Shape 188"/>
         <p:cNvGrpSpPr/>
         <p:nvPr/>
       </p:nvGrpSpPr>
@@ -9893,7 +9993,256 @@
       </p:grpSpPr>
       <p:sp>
         <p:nvSpPr>
+          <p:cNvPr id="189" name="Google Shape;189;p22"/>
+          <p:cNvSpPr txBox="1"/>
+          <p:nvPr>
+            <p:ph type="title"/>
+          </p:nvPr>
+        </p:nvSpPr>
+        <p:spPr>
+          <a:xfrm>
+            <a:off x="270950" y="302550"/>
+            <a:ext cx="3521700" cy="1487100"/>
+          </a:xfrm>
+          <a:prstGeom prst="rect">
+            <a:avLst/>
+          </a:prstGeom>
+        </p:spPr>
+        <p:txBody>
+          <a:bodyPr anchorCtr="0" anchor="t" bIns="91425" lIns="91425" spcFirstLastPara="1" rIns="91425" wrap="square" tIns="91425">
+            <a:normAutofit/>
+          </a:bodyPr>
+          <a:lstStyle/>
+          <a:p>
+            <a:pPr indent="0" lvl="0" marL="0" rtl="0" algn="l">
+              <a:spcBef>
+                <a:spcPts val="0"/>
+              </a:spcBef>
+              <a:spcAft>
+                <a:spcPts val="0"/>
+              </a:spcAft>
+              <a:buNone/>
+            </a:pPr>
+            <a:r>
+              <a:rPr b="1" lang="en" u="sng"/>
+              <a:t>Average Power by price range</a:t>
+            </a:r>
+            <a:endParaRPr b="1" u="sng"/>
+          </a:p>
+        </p:txBody>
+      </p:sp>
+      <p:sp>
+        <p:nvSpPr>
           <p:cNvPr id="190" name="Google Shape;190;p22"/>
+          <p:cNvSpPr txBox="1"/>
+          <p:nvPr>
+            <p:ph idx="1" type="body"/>
+          </p:nvPr>
+        </p:nvSpPr>
+        <p:spPr>
+          <a:xfrm>
+            <a:off x="270950" y="1540325"/>
+            <a:ext cx="3660300" cy="2415900"/>
+          </a:xfrm>
+          <a:prstGeom prst="rect">
+            <a:avLst/>
+          </a:prstGeom>
+        </p:spPr>
+        <p:txBody>
+          <a:bodyPr anchorCtr="0" anchor="t" bIns="91425" lIns="91425" spcFirstLastPara="1" rIns="91425" wrap="square" tIns="91425">
+            <a:noAutofit/>
+          </a:bodyPr>
+          <a:lstStyle/>
+          <a:p>
+            <a:pPr indent="0" lvl="0" marL="0" rtl="0" algn="l">
+              <a:lnSpc>
+                <a:spcPct val="100000"/>
+              </a:lnSpc>
+              <a:spcBef>
+                <a:spcPts val="0"/>
+              </a:spcBef>
+              <a:spcAft>
+                <a:spcPts val="0"/>
+              </a:spcAft>
+              <a:buNone/>
+            </a:pPr>
+            <a:r>
+              <a:rPr lang="en" sz="1400"/>
+              <a:t>In this line chart we can see the average power of cars per price ranges</a:t>
+            </a:r>
+            <a:endParaRPr sz="1400"/>
+          </a:p>
+          <a:p>
+            <a:pPr indent="0" lvl="0" marL="0" rtl="0" algn="l">
+              <a:lnSpc>
+                <a:spcPct val="100000"/>
+              </a:lnSpc>
+              <a:spcBef>
+                <a:spcPts val="1200"/>
+              </a:spcBef>
+              <a:spcAft>
+                <a:spcPts val="0"/>
+              </a:spcAft>
+              <a:buNone/>
+            </a:pPr>
+            <a:r>
+              <a:rPr lang="en" sz="1400"/>
+              <a:t>At 476.60 100+ has the highest average power pricewise and was 684.27% higher than 1-5 range , </a:t>
+            </a:r>
+            <a:r>
+              <a:rPr lang="en" sz="1400"/>
+              <a:t>which</a:t>
+            </a:r>
+            <a:r>
+              <a:rPr lang="en" sz="1400"/>
+              <a:t> had the lowest average power pricewise at 60.77</a:t>
+            </a:r>
+            <a:endParaRPr sz="1400"/>
+          </a:p>
+          <a:p>
+            <a:pPr indent="0" lvl="0" marL="0" rtl="0" algn="l">
+              <a:lnSpc>
+                <a:spcPct val="100000"/>
+              </a:lnSpc>
+              <a:spcBef>
+                <a:spcPts val="1200"/>
+              </a:spcBef>
+              <a:spcAft>
+                <a:spcPts val="0"/>
+              </a:spcAft>
+              <a:buNone/>
+            </a:pPr>
+            <a:r>
+              <a:rPr lang="en" sz="1400"/>
+              <a:t>100+ accounted for 28.98% of average power pricewise</a:t>
+            </a:r>
+            <a:endParaRPr sz="1400"/>
+          </a:p>
+          <a:p>
+            <a:pPr indent="0" lvl="0" marL="0" rtl="0" algn="l">
+              <a:lnSpc>
+                <a:spcPct val="100000"/>
+              </a:lnSpc>
+              <a:spcBef>
+                <a:spcPts val="1200"/>
+              </a:spcBef>
+              <a:spcAft>
+                <a:spcPts val="0"/>
+              </a:spcAft>
+              <a:buNone/>
+            </a:pPr>
+            <a:r>
+              <a:rPr lang="en" sz="1400"/>
+              <a:t>Across all 9 price ranges in lakhs , </a:t>
+            </a:r>
+            <a:r>
+              <a:rPr lang="en" sz="1400"/>
+              <a:t>average</a:t>
+            </a:r>
+            <a:r>
+              <a:rPr lang="en" sz="1400"/>
+              <a:t> power pricewise </a:t>
+            </a:r>
+            <a:r>
+              <a:rPr lang="en" sz="1400"/>
+              <a:t>ranged from 60.77 to 476.60</a:t>
+            </a:r>
+            <a:endParaRPr sz="1400"/>
+          </a:p>
+          <a:p>
+            <a:pPr indent="0" lvl="0" marL="0" rtl="0" algn="l">
+              <a:lnSpc>
+                <a:spcPct val="100000"/>
+              </a:lnSpc>
+              <a:spcBef>
+                <a:spcPts val="1200"/>
+              </a:spcBef>
+              <a:spcAft>
+                <a:spcPts val="0"/>
+              </a:spcAft>
+              <a:buNone/>
+            </a:pPr>
+            <a:r>
+              <a:t/>
+            </a:r>
+            <a:endParaRPr sz="1400"/>
+          </a:p>
+          <a:p>
+            <a:pPr indent="0" lvl="0" marL="0" rtl="0" algn="l">
+              <a:lnSpc>
+                <a:spcPct val="100000"/>
+              </a:lnSpc>
+              <a:spcBef>
+                <a:spcPts val="1200"/>
+              </a:spcBef>
+              <a:spcAft>
+                <a:spcPts val="1200"/>
+              </a:spcAft>
+              <a:buNone/>
+            </a:pPr>
+            <a:r>
+              <a:t/>
+            </a:r>
+            <a:endParaRPr sz="1400"/>
+          </a:p>
+        </p:txBody>
+      </p:sp>
+      <p:pic>
+        <p:nvPicPr>
+          <p:cNvPr id="191" name="Google Shape;191;p22"/>
+          <p:cNvPicPr preferRelativeResize="0"/>
+          <p:nvPr/>
+        </p:nvPicPr>
+        <p:blipFill>
+          <a:blip r:embed="rId3">
+            <a:alphaModFix/>
+          </a:blip>
+          <a:stretch>
+            <a:fillRect/>
+          </a:stretch>
+        </p:blipFill>
+        <p:spPr>
+          <a:xfrm>
+            <a:off x="3952100" y="929300"/>
+            <a:ext cx="4887101" cy="3144450"/>
+          </a:xfrm>
+          <a:prstGeom prst="rect">
+            <a:avLst/>
+          </a:prstGeom>
+          <a:noFill/>
+          <a:ln>
+            <a:noFill/>
+          </a:ln>
+        </p:spPr>
+      </p:pic>
+    </p:spTree>
+  </p:cSld>
+  <p:clrMapOvr>
+    <a:masterClrMapping/>
+  </p:clrMapOvr>
+</p:sld>
+</file>
+
+<file path=ppt/slides/slide11.xml><?xml version="1.0" encoding="utf-8"?>
+<p:sld xmlns:a="http://schemas.openxmlformats.org/drawingml/2006/main" xmlns:r="http://schemas.openxmlformats.org/officeDocument/2006/relationships" xmlns:mc="http://schemas.openxmlformats.org/markup-compatibility/2006" xmlns:mv="urn:schemas-microsoft-com:mac:vml" xmlns:p="http://schemas.openxmlformats.org/presentationml/2006/main" xmlns:c="http://schemas.openxmlformats.org/drawingml/2006/chart" xmlns:dgm="http://schemas.openxmlformats.org/drawingml/2006/diagram" xmlns:o="urn:schemas-microsoft-com:office:office" xmlns:v="urn:schemas-microsoft-com:vml" xmlns:pvml="urn:schemas-microsoft-com:office:powerpoint" xmlns:com="http://schemas.openxmlformats.org/drawingml/2006/compatibility" xmlns:p14="http://schemas.microsoft.com/office/powerpoint/2010/main" xmlns:p15="http://schemas.microsoft.com/office/powerpoint/2012/main" xmlns:ahyp="http://schemas.microsoft.com/office/drawing/2018/hyperlinkcolor">
+  <p:cSld>
+    <p:spTree>
+      <p:nvGrpSpPr>
+        <p:cNvPr id="195" name="Shape 195"/>
+        <p:cNvGrpSpPr/>
+        <p:nvPr/>
+      </p:nvGrpSpPr>
+      <p:grpSpPr>
+        <a:xfrm>
+          <a:off x="0" y="0"/>
+          <a:ext cx="0" cy="0"/>
+          <a:chOff x="0" y="0"/>
+          <a:chExt cx="0" cy="0"/>
+        </a:xfrm>
+      </p:grpSpPr>
+      <p:sp>
+        <p:nvSpPr>
+          <p:cNvPr id="196" name="Google Shape;196;p23"/>
           <p:cNvSpPr txBox="1"/>
           <p:nvPr>
             <p:ph type="title"/>
@@ -9961,13 +10310,222 @@
           <p:cNvPr id="134" name="Google Shape;134;p14"/>
           <p:cNvSpPr txBox="1"/>
           <p:nvPr>
+            <p:ph type="title"/>
+          </p:nvPr>
+        </p:nvSpPr>
+        <p:spPr>
+          <a:xfrm>
+            <a:off x="819150" y="845600"/>
+            <a:ext cx="7505700" cy="954600"/>
+          </a:xfrm>
+          <a:prstGeom prst="rect">
+            <a:avLst/>
+          </a:prstGeom>
+        </p:spPr>
+        <p:txBody>
+          <a:bodyPr anchorCtr="0" anchor="t" bIns="91425" lIns="91425" spcFirstLastPara="1" rIns="91425" wrap="square" tIns="91425">
+            <a:normAutofit/>
+          </a:bodyPr>
+          <a:lstStyle/>
+          <a:p>
+            <a:pPr indent="0" lvl="0" marL="0" rtl="0" algn="l">
+              <a:spcBef>
+                <a:spcPts val="0"/>
+              </a:spcBef>
+              <a:spcAft>
+                <a:spcPts val="0"/>
+              </a:spcAft>
+              <a:buNone/>
+            </a:pPr>
+            <a:r>
+              <a:rPr b="1" lang="en" u="sng"/>
+              <a:t>Point system</a:t>
+            </a:r>
+            <a:endParaRPr b="1" u="sng"/>
+          </a:p>
+        </p:txBody>
+      </p:sp>
+      <p:sp>
+        <p:nvSpPr>
+          <p:cNvPr id="135" name="Google Shape;135;p14"/>
+          <p:cNvSpPr txBox="1"/>
+          <p:nvPr>
+            <p:ph idx="1" type="body"/>
+          </p:nvPr>
+        </p:nvSpPr>
+        <p:spPr>
+          <a:xfrm>
+            <a:off x="819150" y="1990725"/>
+            <a:ext cx="7505700" cy="2448000"/>
+          </a:xfrm>
+          <a:prstGeom prst="rect">
+            <a:avLst/>
+          </a:prstGeom>
+        </p:spPr>
+        <p:txBody>
+          <a:bodyPr anchorCtr="0" anchor="t" bIns="91425" lIns="91425" spcFirstLastPara="1" rIns="91425" wrap="square" tIns="91425">
+            <a:normAutofit/>
+          </a:bodyPr>
+          <a:lstStyle/>
+          <a:p>
+            <a:pPr indent="-317500" lvl="0" marL="457200" rtl="0" algn="l">
+              <a:spcBef>
+                <a:spcPts val="0"/>
+              </a:spcBef>
+              <a:spcAft>
+                <a:spcPts val="0"/>
+              </a:spcAft>
+              <a:buSzPts val="1400"/>
+              <a:buChar char="●"/>
+            </a:pPr>
+            <a:r>
+              <a:rPr lang="en" sz="1400"/>
+              <a:t>I’ve given points to every car by comparing the specification with the average </a:t>
+            </a:r>
+            <a:r>
+              <a:rPr lang="en" sz="1400"/>
+              <a:t>specification</a:t>
+            </a:r>
+            <a:r>
+              <a:rPr lang="en" sz="1400"/>
+              <a:t> of particular group.</a:t>
+            </a:r>
+            <a:endParaRPr sz="1400"/>
+          </a:p>
+          <a:p>
+            <a:pPr indent="-317500" lvl="0" marL="457200" rtl="0" algn="l">
+              <a:spcBef>
+                <a:spcPts val="0"/>
+              </a:spcBef>
+              <a:spcAft>
+                <a:spcPts val="0"/>
+              </a:spcAft>
+              <a:buSzPts val="1400"/>
+              <a:buChar char="●"/>
+            </a:pPr>
+            <a:r>
+              <a:rPr lang="en" sz="1400"/>
+              <a:t>By using the point system we can determine the different Customer segments.  </a:t>
+            </a:r>
+            <a:endParaRPr sz="1400"/>
+          </a:p>
+          <a:p>
+            <a:pPr indent="-317500" lvl="0" marL="457200" rtl="0" algn="l">
+              <a:spcBef>
+                <a:spcPts val="0"/>
+              </a:spcBef>
+              <a:spcAft>
+                <a:spcPts val="0"/>
+              </a:spcAft>
+              <a:buSzPts val="1400"/>
+              <a:buChar char="●"/>
+            </a:pPr>
+            <a:r>
+              <a:rPr lang="en" sz="1400"/>
+              <a:t>We can also find the most popular car in the particular segment.</a:t>
+            </a:r>
+            <a:endParaRPr sz="1400"/>
+          </a:p>
+          <a:p>
+            <a:pPr indent="-317500" lvl="0" marL="457200" rtl="0" algn="l">
+              <a:spcBef>
+                <a:spcPts val="0"/>
+              </a:spcBef>
+              <a:spcAft>
+                <a:spcPts val="0"/>
+              </a:spcAft>
+              <a:buSzPts val="1400"/>
+              <a:buChar char="●"/>
+            </a:pPr>
+            <a:r>
+              <a:rPr lang="en" sz="1400"/>
+              <a:t>By comparing </a:t>
+            </a:r>
+            <a:r>
+              <a:rPr lang="en" sz="1400"/>
+              <a:t>multiple</a:t>
+            </a:r>
+            <a:r>
+              <a:rPr lang="en" sz="1400"/>
+              <a:t> specification like</a:t>
+            </a:r>
+            <a:r>
+              <a:rPr lang="en" sz="1400"/>
+              <a:t> engine type, fuel type, mileage and other salient features.</a:t>
+            </a:r>
+            <a:endParaRPr sz="1400"/>
+          </a:p>
+          <a:p>
+            <a:pPr indent="-317500" lvl="0" marL="457200" rtl="0" algn="l">
+              <a:spcBef>
+                <a:spcPts val="0"/>
+              </a:spcBef>
+              <a:spcAft>
+                <a:spcPts val="0"/>
+              </a:spcAft>
+              <a:buSzPts val="1400"/>
+              <a:buChar char="●"/>
+            </a:pPr>
+            <a:r>
+              <a:rPr lang="en" sz="1400"/>
+              <a:t>After execution of each query the best car is shown on the top of the web application .</a:t>
+            </a:r>
+            <a:endParaRPr sz="1400"/>
+          </a:p>
+          <a:p>
+            <a:pPr indent="0" lvl="0" marL="0" rtl="0" algn="l">
+              <a:spcBef>
+                <a:spcPts val="1200"/>
+              </a:spcBef>
+              <a:spcAft>
+                <a:spcPts val="1200"/>
+              </a:spcAft>
+              <a:buNone/>
+            </a:pPr>
+            <a:r>
+              <a:t/>
+            </a:r>
+            <a:endParaRPr sz="1400"/>
+          </a:p>
+        </p:txBody>
+      </p:sp>
+    </p:spTree>
+  </p:cSld>
+  <p:clrMapOvr>
+    <a:masterClrMapping/>
+  </p:clrMapOvr>
+</p:sld>
+</file>
+
+<file path=ppt/slides/slide3.xml><?xml version="1.0" encoding="utf-8"?>
+<p:sld xmlns:a="http://schemas.openxmlformats.org/drawingml/2006/main" xmlns:r="http://schemas.openxmlformats.org/officeDocument/2006/relationships" xmlns:mc="http://schemas.openxmlformats.org/markup-compatibility/2006" xmlns:mv="urn:schemas-microsoft-com:mac:vml" xmlns:p="http://schemas.openxmlformats.org/presentationml/2006/main" xmlns:c="http://schemas.openxmlformats.org/drawingml/2006/chart" xmlns:dgm="http://schemas.openxmlformats.org/drawingml/2006/diagram" xmlns:o="urn:schemas-microsoft-com:office:office" xmlns:v="urn:schemas-microsoft-com:vml" xmlns:pvml="urn:schemas-microsoft-com:office:powerpoint" xmlns:com="http://schemas.openxmlformats.org/drawingml/2006/compatibility" xmlns:p14="http://schemas.microsoft.com/office/powerpoint/2010/main" xmlns:p15="http://schemas.microsoft.com/office/powerpoint/2012/main" xmlns:ahyp="http://schemas.microsoft.com/office/drawing/2018/hyperlinkcolor">
+  <p:cSld>
+    <p:spTree>
+      <p:nvGrpSpPr>
+        <p:cNvPr id="139" name="Shape 139"/>
+        <p:cNvGrpSpPr/>
+        <p:nvPr/>
+      </p:nvGrpSpPr>
+      <p:grpSpPr>
+        <a:xfrm>
+          <a:off x="0" y="0"/>
+          <a:ext cx="0" cy="0"/>
+          <a:chOff x="0" y="0"/>
+          <a:chExt cx="0" cy="0"/>
+        </a:xfrm>
+      </p:grpSpPr>
+      <p:sp>
+        <p:nvSpPr>
+          <p:cNvPr id="140" name="Google Shape;140;p15"/>
+          <p:cNvSpPr txBox="1"/>
+          <p:nvPr>
             <p:ph idx="1" type="body"/>
           </p:nvPr>
         </p:nvSpPr>
         <p:spPr>
           <a:xfrm>
             <a:off x="258000" y="2351450"/>
-            <a:ext cx="2973000" cy="1897200"/>
+            <a:ext cx="2973000" cy="1793100"/>
           </a:xfrm>
           <a:prstGeom prst="rect">
             <a:avLst/>
@@ -9989,18 +10547,18 @@
               <a:buNone/>
             </a:pPr>
             <a:r>
-              <a:rPr lang="en" sz="1500"/>
+              <a:rPr lang="en" sz="1400"/>
               <a:t>In this Donut chart we can see the average </a:t>
             </a:r>
             <a:r>
-              <a:rPr lang="en" sz="1500"/>
+              <a:rPr lang="en" sz="1400"/>
               <a:t>mileage</a:t>
             </a:r>
             <a:r>
-              <a:rPr lang="en" sz="1500"/>
+              <a:rPr lang="en" sz="1400"/>
               <a:t> of the cars for every price ranges in lakhs </a:t>
             </a:r>
-            <a:endParaRPr sz="1500"/>
+            <a:endParaRPr sz="1400"/>
           </a:p>
           <a:p>
             <a:pPr indent="0" lvl="0" marL="0" rtl="0" algn="just">
@@ -10013,24 +10571,24 @@
               <a:buNone/>
             </a:pPr>
             <a:r>
-              <a:rPr lang="en" sz="1500"/>
+              <a:rPr lang="en" sz="1400"/>
               <a:t>1-5 lakhs accounted for 15.01% of average overall </a:t>
             </a:r>
             <a:r>
-              <a:rPr lang="en" sz="1500"/>
+              <a:rPr lang="en" sz="1400"/>
               <a:t>price wise</a:t>
             </a:r>
             <a:r>
-              <a:rPr lang="en" sz="1500"/>
+              <a:rPr lang="en" sz="1400"/>
               <a:t> petrol/diesel.</a:t>
             </a:r>
-            <a:endParaRPr sz="1900"/>
+            <a:endParaRPr sz="1400"/>
           </a:p>
         </p:txBody>
       </p:sp>
       <p:pic>
         <p:nvPicPr>
-          <p:cNvPr id="135" name="Google Shape;135;p14"/>
+          <p:cNvPr id="141" name="Google Shape;141;p15"/>
           <p:cNvPicPr preferRelativeResize="0"/>
           <p:nvPr/>
         </p:nvPicPr>
@@ -10058,7 +10616,7 @@
       </p:pic>
       <p:sp>
         <p:nvSpPr>
-          <p:cNvPr id="136" name="Google Shape;136;p14"/>
+          <p:cNvPr id="142" name="Google Shape;142;p15"/>
           <p:cNvSpPr txBox="1"/>
           <p:nvPr>
             <p:ph type="title"/>
@@ -10117,12 +10675,12 @@
 </p:sld>
 </file>
 
-<file path=ppt/slides/slide3.xml><?xml version="1.0" encoding="utf-8"?>
+<file path=ppt/slides/slide4.xml><?xml version="1.0" encoding="utf-8"?>
 <p:sld xmlns:a="http://schemas.openxmlformats.org/drawingml/2006/main" xmlns:r="http://schemas.openxmlformats.org/officeDocument/2006/relationships" xmlns:mc="http://schemas.openxmlformats.org/markup-compatibility/2006" xmlns:mv="urn:schemas-microsoft-com:mac:vml" xmlns:p="http://schemas.openxmlformats.org/presentationml/2006/main" xmlns:c="http://schemas.openxmlformats.org/drawingml/2006/chart" xmlns:dgm="http://schemas.openxmlformats.org/drawingml/2006/diagram" xmlns:o="urn:schemas-microsoft-com:office:office" xmlns:v="urn:schemas-microsoft-com:vml" xmlns:pvml="urn:schemas-microsoft-com:office:powerpoint" xmlns:com="http://schemas.openxmlformats.org/drawingml/2006/compatibility" xmlns:p14="http://schemas.microsoft.com/office/powerpoint/2010/main" xmlns:p15="http://schemas.microsoft.com/office/powerpoint/2012/main" xmlns:ahyp="http://schemas.microsoft.com/office/drawing/2018/hyperlinkcolor">
   <p:cSld>
     <p:spTree>
       <p:nvGrpSpPr>
-        <p:cNvPr id="140" name="Shape 140"/>
+        <p:cNvPr id="146" name="Shape 146"/>
         <p:cNvGrpSpPr/>
         <p:nvPr/>
       </p:nvGrpSpPr>
@@ -10136,7 +10694,7 @@
       </p:grpSpPr>
       <p:sp>
         <p:nvSpPr>
-          <p:cNvPr id="141" name="Google Shape;141;p15"/>
+          <p:cNvPr id="147" name="Google Shape;147;p16"/>
           <p:cNvSpPr txBox="1"/>
           <p:nvPr>
             <p:ph type="title"/>
@@ -10176,7 +10734,7 @@
       </p:sp>
       <p:sp>
         <p:nvSpPr>
-          <p:cNvPr id="142" name="Google Shape;142;p15"/>
+          <p:cNvPr id="148" name="Google Shape;148;p16"/>
           <p:cNvSpPr txBox="1"/>
           <p:nvPr>
             <p:ph idx="1" type="body"/>
@@ -10193,11 +10751,14 @@
         </p:spPr>
         <p:txBody>
           <a:bodyPr anchorCtr="0" anchor="t" bIns="91425" lIns="91425" spcFirstLastPara="1" rIns="91425" wrap="square" tIns="91425">
-            <a:normAutofit lnSpcReduction="20000"/>
+            <a:noAutofit/>
           </a:bodyPr>
           <a:lstStyle/>
           <a:p>
             <a:pPr indent="0" lvl="0" marL="0" rtl="0" algn="l">
+              <a:lnSpc>
+                <a:spcPct val="95000"/>
+              </a:lnSpc>
               <a:spcBef>
                 <a:spcPts val="0"/>
               </a:spcBef>
@@ -10207,13 +10768,16 @@
               <a:buNone/>
             </a:pPr>
             <a:r>
-              <a:rPr lang="en"/>
+              <a:rPr lang="en" sz="1400"/>
               <a:t>In this Waterfall Chart we can see </a:t>
             </a:r>
-            <a:endParaRPr/>
+            <a:endParaRPr sz="1400"/>
           </a:p>
           <a:p>
             <a:pPr indent="0" lvl="0" marL="0" rtl="0" algn="l">
+              <a:lnSpc>
+                <a:spcPct val="95000"/>
+              </a:lnSpc>
               <a:spcBef>
                 <a:spcPts val="1200"/>
               </a:spcBef>
@@ -10223,21 +10787,24 @@
               <a:buNone/>
             </a:pPr>
             <a:r>
-              <a:rPr lang="en"/>
+              <a:rPr lang="en" sz="1400"/>
               <a:t>Average points given to every </a:t>
             </a:r>
             <a:r>
-              <a:rPr lang="en"/>
+              <a:rPr lang="en" sz="1400"/>
               <a:t>Body Type</a:t>
             </a:r>
             <a:r>
-              <a:rPr lang="en"/>
+              <a:rPr lang="en" sz="1400"/>
               <a:t> of the car </a:t>
             </a:r>
-            <a:endParaRPr/>
+            <a:endParaRPr sz="1400"/>
           </a:p>
           <a:p>
             <a:pPr indent="0" lvl="0" marL="0" rtl="0" algn="l">
+              <a:lnSpc>
+                <a:spcPct val="95000"/>
+              </a:lnSpc>
               <a:spcBef>
                 <a:spcPts val="1200"/>
               </a:spcBef>
@@ -10247,21 +10814,24 @@
               <a:buNone/>
             </a:pPr>
             <a:r>
-              <a:rPr lang="en"/>
+              <a:rPr lang="en" sz="1400"/>
               <a:t>Hatchback with 60.79 points has gained the </a:t>
             </a:r>
             <a:r>
-              <a:rPr lang="en"/>
+              <a:rPr lang="en" sz="1400"/>
               <a:t>minimum</a:t>
             </a:r>
             <a:r>
-              <a:rPr lang="en"/>
+              <a:rPr lang="en" sz="1400"/>
               <a:t> points</a:t>
             </a:r>
-            <a:endParaRPr/>
+            <a:endParaRPr sz="1400"/>
           </a:p>
           <a:p>
             <a:pPr indent="0" lvl="0" marL="0" rtl="0" algn="l">
+              <a:lnSpc>
+                <a:spcPct val="95000"/>
+              </a:lnSpc>
               <a:spcBef>
                 <a:spcPts val="1200"/>
               </a:spcBef>
@@ -10271,13 +10841,16 @@
               <a:buNone/>
             </a:pPr>
             <a:r>
-              <a:rPr lang="en"/>
+              <a:rPr lang="en" sz="1400"/>
               <a:t>Sports with 97.33 points has gained the maximum points</a:t>
             </a:r>
-            <a:endParaRPr/>
+            <a:endParaRPr sz="1400"/>
           </a:p>
           <a:p>
             <a:pPr indent="0" lvl="0" marL="0" rtl="0" algn="l">
+              <a:lnSpc>
+                <a:spcPct val="95000"/>
+              </a:lnSpc>
               <a:spcBef>
                 <a:spcPts val="1200"/>
               </a:spcBef>
@@ -10289,13 +10862,13 @@
             <a:r>
               <a:t/>
             </a:r>
-            <a:endParaRPr/>
+            <a:endParaRPr sz="1400"/>
           </a:p>
         </p:txBody>
       </p:sp>
       <p:pic>
         <p:nvPicPr>
-          <p:cNvPr id="143" name="Google Shape;143;p15"/>
+          <p:cNvPr id="149" name="Google Shape;149;p16"/>
           <p:cNvPicPr preferRelativeResize="0"/>
           <p:nvPr/>
         </p:nvPicPr>
@@ -10309,184 +10882,8 @@
         </p:blipFill>
         <p:spPr>
           <a:xfrm>
-            <a:off x="3594425" y="339725"/>
+            <a:off x="3281050" y="717925"/>
             <a:ext cx="5435251" cy="3188200"/>
-          </a:xfrm>
-          <a:prstGeom prst="rect">
-            <a:avLst/>
-          </a:prstGeom>
-          <a:noFill/>
-          <a:ln>
-            <a:noFill/>
-          </a:ln>
-        </p:spPr>
-      </p:pic>
-    </p:spTree>
-  </p:cSld>
-  <p:clrMapOvr>
-    <a:masterClrMapping/>
-  </p:clrMapOvr>
-</p:sld>
-</file>
-
-<file path=ppt/slides/slide4.xml><?xml version="1.0" encoding="utf-8"?>
-<p:sld xmlns:a="http://schemas.openxmlformats.org/drawingml/2006/main" xmlns:r="http://schemas.openxmlformats.org/officeDocument/2006/relationships" xmlns:mc="http://schemas.openxmlformats.org/markup-compatibility/2006" xmlns:mv="urn:schemas-microsoft-com:mac:vml" xmlns:p="http://schemas.openxmlformats.org/presentationml/2006/main" xmlns:c="http://schemas.openxmlformats.org/drawingml/2006/chart" xmlns:dgm="http://schemas.openxmlformats.org/drawingml/2006/diagram" xmlns:o="urn:schemas-microsoft-com:office:office" xmlns:v="urn:schemas-microsoft-com:vml" xmlns:pvml="urn:schemas-microsoft-com:office:powerpoint" xmlns:com="http://schemas.openxmlformats.org/drawingml/2006/compatibility" xmlns:p14="http://schemas.microsoft.com/office/powerpoint/2010/main" xmlns:p15="http://schemas.microsoft.com/office/powerpoint/2012/main" xmlns:ahyp="http://schemas.microsoft.com/office/drawing/2018/hyperlinkcolor">
-  <p:cSld>
-    <p:spTree>
-      <p:nvGrpSpPr>
-        <p:cNvPr id="147" name="Shape 147"/>
-        <p:cNvGrpSpPr/>
-        <p:nvPr/>
-      </p:nvGrpSpPr>
-      <p:grpSpPr>
-        <a:xfrm>
-          <a:off x="0" y="0"/>
-          <a:ext cx="0" cy="0"/>
-          <a:chOff x="0" y="0"/>
-          <a:chExt cx="0" cy="0"/>
-        </a:xfrm>
-      </p:grpSpPr>
-      <p:sp>
-        <p:nvSpPr>
-          <p:cNvPr id="148" name="Google Shape;148;p16"/>
-          <p:cNvSpPr txBox="1"/>
-          <p:nvPr>
-            <p:ph type="title"/>
-          </p:nvPr>
-        </p:nvSpPr>
-        <p:spPr>
-          <a:xfrm>
-            <a:off x="195300" y="184825"/>
-            <a:ext cx="3798900" cy="1493100"/>
-          </a:xfrm>
-          <a:prstGeom prst="rect">
-            <a:avLst/>
-          </a:prstGeom>
-        </p:spPr>
-        <p:txBody>
-          <a:bodyPr anchorCtr="0" anchor="t" bIns="91425" lIns="91425" spcFirstLastPara="1" rIns="91425" wrap="square" tIns="91425">
-            <a:normAutofit fontScale="90000"/>
-          </a:bodyPr>
-          <a:lstStyle/>
-          <a:p>
-            <a:pPr indent="0" lvl="0" marL="0" rtl="0" algn="l">
-              <a:spcBef>
-                <a:spcPts val="0"/>
-              </a:spcBef>
-              <a:spcAft>
-                <a:spcPts val="0"/>
-              </a:spcAft>
-              <a:buNone/>
-            </a:pPr>
-            <a:r>
-              <a:rPr b="1" lang="en" u="sng"/>
-              <a:t>Average Displacement by price ranges</a:t>
-            </a:r>
-            <a:endParaRPr b="1" u="sng"/>
-          </a:p>
-        </p:txBody>
-      </p:sp>
-      <p:sp>
-        <p:nvSpPr>
-          <p:cNvPr id="149" name="Google Shape;149;p16"/>
-          <p:cNvSpPr txBox="1"/>
-          <p:nvPr>
-            <p:ph idx="1" type="body"/>
-          </p:nvPr>
-        </p:nvSpPr>
-        <p:spPr>
-          <a:xfrm>
-            <a:off x="195300" y="1929325"/>
-            <a:ext cx="3798900" cy="2415900"/>
-          </a:xfrm>
-          <a:prstGeom prst="rect">
-            <a:avLst/>
-          </a:prstGeom>
-        </p:spPr>
-        <p:txBody>
-          <a:bodyPr anchorCtr="0" anchor="t" bIns="91425" lIns="91425" spcFirstLastPara="1" rIns="91425" wrap="square" tIns="91425">
-            <a:normAutofit/>
-          </a:bodyPr>
-          <a:lstStyle/>
-          <a:p>
-            <a:pPr indent="0" lvl="0" marL="0" rtl="0" algn="l">
-              <a:spcBef>
-                <a:spcPts val="0"/>
-              </a:spcBef>
-              <a:spcAft>
-                <a:spcPts val="0"/>
-              </a:spcAft>
-              <a:buNone/>
-            </a:pPr>
-            <a:r>
-              <a:rPr lang="en"/>
-              <a:t>In this we can see the Average </a:t>
-            </a:r>
-            <a:r>
-              <a:rPr lang="en"/>
-              <a:t>displacement</a:t>
-            </a:r>
-            <a:r>
-              <a:rPr lang="en"/>
-              <a:t> of cars by price ranges in lakhs</a:t>
-            </a:r>
-            <a:endParaRPr/>
-          </a:p>
-          <a:p>
-            <a:pPr indent="0" lvl="0" marL="0" rtl="0" algn="l">
-              <a:spcBef>
-                <a:spcPts val="1200"/>
-              </a:spcBef>
-              <a:spcAft>
-                <a:spcPts val="0"/>
-              </a:spcAft>
-              <a:buNone/>
-            </a:pPr>
-            <a:r>
-              <a:t/>
-            </a:r>
-            <a:endParaRPr/>
-          </a:p>
-          <a:p>
-            <a:pPr indent="0" lvl="0" marL="0" rtl="0" algn="l">
-              <a:spcBef>
-                <a:spcPts val="1200"/>
-              </a:spcBef>
-              <a:spcAft>
-                <a:spcPts val="1200"/>
-              </a:spcAft>
-              <a:buNone/>
-            </a:pPr>
-            <a:r>
-              <a:rPr lang="en"/>
-              <a:t>100+ </a:t>
-            </a:r>
-            <a:r>
-              <a:rPr lang="en"/>
-              <a:t>accounted for 23.47% of average cc pricewise</a:t>
-            </a:r>
-            <a:endParaRPr/>
-          </a:p>
-        </p:txBody>
-      </p:sp>
-      <p:pic>
-        <p:nvPicPr>
-          <p:cNvPr id="150" name="Google Shape;150;p16"/>
-          <p:cNvPicPr preferRelativeResize="0"/>
-          <p:nvPr/>
-        </p:nvPicPr>
-        <p:blipFill>
-          <a:blip r:embed="rId3">
-            <a:alphaModFix/>
-          </a:blip>
-          <a:stretch>
-            <a:fillRect/>
-          </a:stretch>
-        </p:blipFill>
-        <p:spPr>
-          <a:xfrm>
-            <a:off x="3919700" y="184825"/>
-            <a:ext cx="5146601" cy="3424274"/>
           </a:xfrm>
           <a:prstGeom prst="rect">
             <a:avLst/>
@@ -10510,7 +10907,7 @@
   <p:cSld>
     <p:spTree>
       <p:nvGrpSpPr>
-        <p:cNvPr id="154" name="Shape 154"/>
+        <p:cNvPr id="153" name="Shape 153"/>
         <p:cNvGrpSpPr/>
         <p:nvPr/>
       </p:nvGrpSpPr>
@@ -10524,7 +10921,7 @@
       </p:grpSpPr>
       <p:sp>
         <p:nvSpPr>
-          <p:cNvPr id="155" name="Google Shape;155;p17"/>
+          <p:cNvPr id="154" name="Google Shape;154;p17"/>
           <p:cNvSpPr txBox="1"/>
           <p:nvPr>
             <p:ph type="title"/>
@@ -10532,8 +10929,48 @@
         </p:nvSpPr>
         <p:spPr>
           <a:xfrm>
-            <a:off x="207250" y="339725"/>
+            <a:off x="195300" y="184825"/>
             <a:ext cx="3798900" cy="1493100"/>
+          </a:xfrm>
+          <a:prstGeom prst="rect">
+            <a:avLst/>
+          </a:prstGeom>
+        </p:spPr>
+        <p:txBody>
+          <a:bodyPr anchorCtr="0" anchor="t" bIns="91425" lIns="91425" spcFirstLastPara="1" rIns="91425" wrap="square" tIns="91425">
+            <a:normAutofit fontScale="90000"/>
+          </a:bodyPr>
+          <a:lstStyle/>
+          <a:p>
+            <a:pPr indent="0" lvl="0" marL="0" rtl="0" algn="l">
+              <a:spcBef>
+                <a:spcPts val="0"/>
+              </a:spcBef>
+              <a:spcAft>
+                <a:spcPts val="0"/>
+              </a:spcAft>
+              <a:buNone/>
+            </a:pPr>
+            <a:r>
+              <a:rPr b="1" lang="en" u="sng"/>
+              <a:t>Average Displacement by price ranges</a:t>
+            </a:r>
+            <a:endParaRPr b="1" u="sng"/>
+          </a:p>
+        </p:txBody>
+      </p:sp>
+      <p:sp>
+        <p:nvSpPr>
+          <p:cNvPr id="155" name="Google Shape;155;p17"/>
+          <p:cNvSpPr txBox="1"/>
+          <p:nvPr>
+            <p:ph idx="1" type="body"/>
+          </p:nvPr>
+        </p:nvSpPr>
+        <p:spPr>
+          <a:xfrm>
+            <a:off x="195300" y="1929325"/>
+            <a:ext cx="3798900" cy="2415900"/>
           </a:xfrm>
           <a:prstGeom prst="rect">
             <a:avLst/>
@@ -10555,50 +10992,18 @@
               <a:buNone/>
             </a:pPr>
             <a:r>
-              <a:rPr b="1" lang="en" u="sng"/>
-              <a:t>Average Points of cars pricewise</a:t>
+              <a:rPr lang="en" sz="1400"/>
+              <a:t>In this we can see the Average </a:t>
             </a:r>
-            <a:endParaRPr b="1" u="sng"/>
-          </a:p>
-        </p:txBody>
-      </p:sp>
-      <p:sp>
-        <p:nvSpPr>
-          <p:cNvPr id="156" name="Google Shape;156;p17"/>
-          <p:cNvSpPr txBox="1"/>
-          <p:nvPr>
-            <p:ph idx="1" type="body"/>
-          </p:nvPr>
-        </p:nvSpPr>
-        <p:spPr>
-          <a:xfrm>
-            <a:off x="207250" y="2128725"/>
-            <a:ext cx="3798900" cy="2346300"/>
-          </a:xfrm>
-          <a:prstGeom prst="rect">
-            <a:avLst/>
-          </a:prstGeom>
-        </p:spPr>
-        <p:txBody>
-          <a:bodyPr anchorCtr="0" anchor="t" bIns="91425" lIns="91425" spcFirstLastPara="1" rIns="91425" wrap="square" tIns="91425">
-            <a:normAutofit/>
-          </a:bodyPr>
-          <a:lstStyle/>
-          <a:p>
-            <a:pPr indent="0" lvl="0" marL="0" rtl="0" algn="l">
-              <a:spcBef>
-                <a:spcPts val="0"/>
-              </a:spcBef>
-              <a:spcAft>
-                <a:spcPts val="0"/>
-              </a:spcAft>
-              <a:buNone/>
-            </a:pPr>
             <a:r>
-              <a:rPr lang="en"/>
-              <a:t>In this we can see the average points of cars by price ranges in lakhs</a:t>
+              <a:rPr lang="en" sz="1400"/>
+              <a:t>displacement</a:t>
             </a:r>
-            <a:endParaRPr/>
+            <a:r>
+              <a:rPr lang="en" sz="1400"/>
+              <a:t> of cars by price ranges in lakhs</a:t>
+            </a:r>
+            <a:endParaRPr sz="1400"/>
           </a:p>
           <a:p>
             <a:pPr indent="0" lvl="0" marL="0" rtl="0" algn="l">
@@ -10613,7 +11018,7 @@
             <a:r>
               <a:t/>
             </a:r>
-            <a:endParaRPr/>
+            <a:endParaRPr sz="1400"/>
           </a:p>
           <a:p>
             <a:pPr indent="0" lvl="0" marL="0" rtl="0" algn="l">
@@ -10621,37 +11026,25 @@
                 <a:spcPts val="1200"/>
               </a:spcBef>
               <a:spcAft>
-                <a:spcPts val="0"/>
+                <a:spcPts val="1200"/>
               </a:spcAft>
               <a:buNone/>
             </a:pPr>
             <a:r>
-              <a:rPr lang="en"/>
-              <a:t>100+ price range cars has gained the maximum points </a:t>
+              <a:rPr lang="en" sz="1400"/>
+              <a:t>100+ </a:t>
             </a:r>
-            <a:endParaRPr/>
-          </a:p>
-          <a:p>
-            <a:pPr indent="0" lvl="0" marL="0" rtl="0" algn="l">
-              <a:spcBef>
-                <a:spcPts val="1200"/>
-              </a:spcBef>
-              <a:spcAft>
-                <a:spcPts val="1200"/>
-              </a:spcAft>
-              <a:buNone/>
-            </a:pPr>
             <a:r>
-              <a:rPr lang="en"/>
-              <a:t>1-5 lakhs price range cars has gained the minimum points</a:t>
+              <a:rPr lang="en" sz="1400"/>
+              <a:t>accounted for 23.47% of average cc pricewise</a:t>
             </a:r>
-            <a:endParaRPr/>
+            <a:endParaRPr sz="1400"/>
           </a:p>
         </p:txBody>
       </p:sp>
       <p:pic>
         <p:nvPicPr>
-          <p:cNvPr id="157" name="Google Shape;157;p17"/>
+          <p:cNvPr id="156" name="Google Shape;156;p17"/>
           <p:cNvPicPr preferRelativeResize="0"/>
           <p:nvPr/>
         </p:nvPicPr>
@@ -10665,8 +11058,8 @@
         </p:blipFill>
         <p:spPr>
           <a:xfrm>
-            <a:off x="4006150" y="339725"/>
-            <a:ext cx="5053815" cy="4322625"/>
+            <a:off x="3768425" y="768350"/>
+            <a:ext cx="5146601" cy="3424274"/>
           </a:xfrm>
           <a:prstGeom prst="rect">
             <a:avLst/>
@@ -10690,7 +11083,7 @@
   <p:cSld>
     <p:spTree>
       <p:nvGrpSpPr>
-        <p:cNvPr id="161" name="Shape 161"/>
+        <p:cNvPr id="160" name="Shape 160"/>
         <p:cNvGrpSpPr/>
         <p:nvPr/>
       </p:nvGrpSpPr>
@@ -10704,7 +11097,187 @@
       </p:grpSpPr>
       <p:sp>
         <p:nvSpPr>
+          <p:cNvPr id="161" name="Google Shape;161;p18"/>
+          <p:cNvSpPr txBox="1"/>
+          <p:nvPr>
+            <p:ph type="title"/>
+          </p:nvPr>
+        </p:nvSpPr>
+        <p:spPr>
+          <a:xfrm>
+            <a:off x="207250" y="339725"/>
+            <a:ext cx="3798900" cy="1493100"/>
+          </a:xfrm>
+          <a:prstGeom prst="rect">
+            <a:avLst/>
+          </a:prstGeom>
+        </p:spPr>
+        <p:txBody>
+          <a:bodyPr anchorCtr="0" anchor="t" bIns="91425" lIns="91425" spcFirstLastPara="1" rIns="91425" wrap="square" tIns="91425">
+            <a:normAutofit/>
+          </a:bodyPr>
+          <a:lstStyle/>
+          <a:p>
+            <a:pPr indent="0" lvl="0" marL="0" rtl="0" algn="l">
+              <a:spcBef>
+                <a:spcPts val="0"/>
+              </a:spcBef>
+              <a:spcAft>
+                <a:spcPts val="0"/>
+              </a:spcAft>
+              <a:buNone/>
+            </a:pPr>
+            <a:r>
+              <a:rPr b="1" lang="en" u="sng"/>
+              <a:t>Average Points of cars pricewise</a:t>
+            </a:r>
+            <a:endParaRPr b="1" u="sng"/>
+          </a:p>
+        </p:txBody>
+      </p:sp>
+      <p:sp>
+        <p:nvSpPr>
           <p:cNvPr id="162" name="Google Shape;162;p18"/>
+          <p:cNvSpPr txBox="1"/>
+          <p:nvPr>
+            <p:ph idx="1" type="body"/>
+          </p:nvPr>
+        </p:nvSpPr>
+        <p:spPr>
+          <a:xfrm>
+            <a:off x="207250" y="2128725"/>
+            <a:ext cx="3798900" cy="2346300"/>
+          </a:xfrm>
+          <a:prstGeom prst="rect">
+            <a:avLst/>
+          </a:prstGeom>
+        </p:spPr>
+        <p:txBody>
+          <a:bodyPr anchorCtr="0" anchor="t" bIns="91425" lIns="91425" spcFirstLastPara="1" rIns="91425" wrap="square" tIns="91425">
+            <a:normAutofit/>
+          </a:bodyPr>
+          <a:lstStyle/>
+          <a:p>
+            <a:pPr indent="0" lvl="0" marL="0" rtl="0" algn="l">
+              <a:spcBef>
+                <a:spcPts val="0"/>
+              </a:spcBef>
+              <a:spcAft>
+                <a:spcPts val="0"/>
+              </a:spcAft>
+              <a:buNone/>
+            </a:pPr>
+            <a:r>
+              <a:rPr lang="en" sz="1400"/>
+              <a:t>In this we can see the average points of cars by price ranges in lakhs</a:t>
+            </a:r>
+            <a:endParaRPr sz="1400"/>
+          </a:p>
+          <a:p>
+            <a:pPr indent="0" lvl="0" marL="0" rtl="0" algn="l">
+              <a:spcBef>
+                <a:spcPts val="1200"/>
+              </a:spcBef>
+              <a:spcAft>
+                <a:spcPts val="0"/>
+              </a:spcAft>
+              <a:buNone/>
+            </a:pPr>
+            <a:r>
+              <a:t/>
+            </a:r>
+            <a:endParaRPr sz="1400"/>
+          </a:p>
+          <a:p>
+            <a:pPr indent="0" lvl="0" marL="0" rtl="0" algn="l">
+              <a:spcBef>
+                <a:spcPts val="1200"/>
+              </a:spcBef>
+              <a:spcAft>
+                <a:spcPts val="0"/>
+              </a:spcAft>
+              <a:buNone/>
+            </a:pPr>
+            <a:r>
+              <a:rPr lang="en" sz="1400"/>
+              <a:t>100+ price range cars has gained the maximum points </a:t>
+            </a:r>
+            <a:endParaRPr sz="1400"/>
+          </a:p>
+          <a:p>
+            <a:pPr indent="0" lvl="0" marL="0" rtl="0" algn="l">
+              <a:spcBef>
+                <a:spcPts val="1200"/>
+              </a:spcBef>
+              <a:spcAft>
+                <a:spcPts val="1200"/>
+              </a:spcAft>
+              <a:buNone/>
+            </a:pPr>
+            <a:r>
+              <a:rPr lang="en" sz="1400"/>
+              <a:t>1-5 lakhs price range cars has gained the minimum points</a:t>
+            </a:r>
+            <a:endParaRPr sz="1400"/>
+          </a:p>
+        </p:txBody>
+      </p:sp>
+      <p:pic>
+        <p:nvPicPr>
+          <p:cNvPr id="163" name="Google Shape;163;p18"/>
+          <p:cNvPicPr preferRelativeResize="0"/>
+          <p:nvPr/>
+        </p:nvPicPr>
+        <p:blipFill>
+          <a:blip r:embed="rId3">
+            <a:alphaModFix/>
+          </a:blip>
+          <a:stretch>
+            <a:fillRect/>
+          </a:stretch>
+        </p:blipFill>
+        <p:spPr>
+          <a:xfrm>
+            <a:off x="3954900" y="626550"/>
+            <a:ext cx="4888975" cy="4181625"/>
+          </a:xfrm>
+          <a:prstGeom prst="rect">
+            <a:avLst/>
+          </a:prstGeom>
+          <a:noFill/>
+          <a:ln>
+            <a:noFill/>
+          </a:ln>
+        </p:spPr>
+      </p:pic>
+    </p:spTree>
+  </p:cSld>
+  <p:clrMapOvr>
+    <a:masterClrMapping/>
+  </p:clrMapOvr>
+</p:sld>
+</file>
+
+<file path=ppt/slides/slide7.xml><?xml version="1.0" encoding="utf-8"?>
+<p:sld xmlns:a="http://schemas.openxmlformats.org/drawingml/2006/main" xmlns:r="http://schemas.openxmlformats.org/officeDocument/2006/relationships" xmlns:mc="http://schemas.openxmlformats.org/markup-compatibility/2006" xmlns:mv="urn:schemas-microsoft-com:mac:vml" xmlns:p="http://schemas.openxmlformats.org/presentationml/2006/main" xmlns:c="http://schemas.openxmlformats.org/drawingml/2006/chart" xmlns:dgm="http://schemas.openxmlformats.org/drawingml/2006/diagram" xmlns:o="urn:schemas-microsoft-com:office:office" xmlns:v="urn:schemas-microsoft-com:vml" xmlns:pvml="urn:schemas-microsoft-com:office:powerpoint" xmlns:com="http://schemas.openxmlformats.org/drawingml/2006/compatibility" xmlns:p14="http://schemas.microsoft.com/office/powerpoint/2010/main" xmlns:p15="http://schemas.microsoft.com/office/powerpoint/2012/main" xmlns:ahyp="http://schemas.microsoft.com/office/drawing/2018/hyperlinkcolor">
+  <p:cSld>
+    <p:spTree>
+      <p:nvGrpSpPr>
+        <p:cNvPr id="167" name="Shape 167"/>
+        <p:cNvGrpSpPr/>
+        <p:nvPr/>
+      </p:nvGrpSpPr>
+      <p:grpSpPr>
+        <a:xfrm>
+          <a:off x="0" y="0"/>
+          <a:ext cx="0" cy="0"/>
+          <a:chOff x="0" y="0"/>
+          <a:chExt cx="0" cy="0"/>
+        </a:xfrm>
+      </p:grpSpPr>
+      <p:sp>
+        <p:nvSpPr>
+          <p:cNvPr id="168" name="Google Shape;168;p19"/>
           <p:cNvSpPr txBox="1"/>
           <p:nvPr>
             <p:ph type="title"/>
@@ -10744,7 +11317,7 @@
       </p:sp>
       <p:sp>
         <p:nvSpPr>
-          <p:cNvPr id="163" name="Google Shape;163;p18"/>
+          <p:cNvPr id="169" name="Google Shape;169;p19"/>
           <p:cNvSpPr txBox="1"/>
           <p:nvPr>
             <p:ph idx="1" type="body"/>
@@ -10752,8 +11325,8 @@
         </p:nvSpPr>
         <p:spPr>
           <a:xfrm>
-            <a:off x="227750" y="2015750"/>
-            <a:ext cx="3798900" cy="2415900"/>
+            <a:off x="227750" y="1447950"/>
+            <a:ext cx="3798900" cy="2983800"/>
           </a:xfrm>
           <a:prstGeom prst="rect">
             <a:avLst/>
@@ -10761,7 +11334,7 @@
         </p:spPr>
         <p:txBody>
           <a:bodyPr anchorCtr="0" anchor="t" bIns="91425" lIns="91425" spcFirstLastPara="1" rIns="91425" wrap="square" tIns="91425">
-            <a:normAutofit fontScale="25000" lnSpcReduction="20000"/>
+            <a:noAutofit/>
           </a:bodyPr>
           <a:lstStyle/>
           <a:p>
@@ -10775,10 +11348,10 @@
               <a:buNone/>
             </a:pPr>
             <a:r>
-              <a:rPr lang="en" sz="4100"/>
+              <a:rPr lang="en" sz="1400"/>
               <a:t>At 523, 5-10 had the highest price based cars count and was 1,394.29% higher than 25-30 , which had the lowest price based cars count of 35.</a:t>
             </a:r>
-            <a:endParaRPr sz="4100"/>
+            <a:endParaRPr sz="1400"/>
           </a:p>
           <a:p>
             <a:pPr indent="0" lvl="0" marL="0" rtl="0" algn="l">
@@ -10791,9 +11364,10 @@
               <a:buNone/>
             </a:pPr>
             <a:r>
-              <a:t/>
+              <a:rPr lang="en" sz="1400"/>
+              <a:t>5-10 accounted for 41.02% of price based cars count.</a:t>
             </a:r>
-            <a:endParaRPr sz="4100"/>
+            <a:endParaRPr sz="1400"/>
           </a:p>
           <a:p>
             <a:pPr indent="0" lvl="0" marL="0" rtl="0" algn="l">
@@ -10806,10 +11380,14 @@
               <a:buNone/>
             </a:pPr>
             <a:r>
-              <a:rPr lang="en" sz="4100"/>
-              <a:t>5-10 accounted for 41.02% of price based cars count.</a:t>
+              <a:rPr lang="en" sz="1400"/>
+              <a:t>Across</a:t>
             </a:r>
-            <a:endParaRPr sz="4100"/>
+            <a:r>
+              <a:rPr lang="en" sz="1400"/>
+              <a:t> all 9 price ranges in lakhs , price based cars count ranged from 35 to 523</a:t>
+            </a:r>
+            <a:endParaRPr sz="1400"/>
           </a:p>
           <a:p>
             <a:pPr indent="0" lvl="0" marL="0" rtl="0" algn="l">
@@ -10822,42 +11400,7 @@
               <a:buNone/>
             </a:pPr>
             <a:r>
-              <a:t/>
-            </a:r>
-            <a:endParaRPr sz="4100"/>
-          </a:p>
-          <a:p>
-            <a:pPr indent="0" lvl="0" marL="0" rtl="0" algn="l">
-              <a:spcBef>
-                <a:spcPts val="1200"/>
-              </a:spcBef>
-              <a:spcAft>
-                <a:spcPts val="0"/>
-              </a:spcAft>
-              <a:buNone/>
-            </a:pPr>
-            <a:r>
-              <a:rPr lang="en" sz="4100"/>
-              <a:t>Across</a:t>
-            </a:r>
-            <a:r>
-              <a:rPr lang="en" sz="4100"/>
-              <a:t> all 9 price ranges in lakhs , price based cars count ranged from 35 to 523</a:t>
-            </a:r>
-            <a:endParaRPr sz="4100"/>
-          </a:p>
-          <a:p>
-            <a:pPr indent="0" lvl="0" marL="0" rtl="0" algn="l">
-              <a:spcBef>
-                <a:spcPts val="1200"/>
-              </a:spcBef>
-              <a:spcAft>
-                <a:spcPts val="0"/>
-              </a:spcAft>
-              <a:buNone/>
-            </a:pPr>
-            <a:r>
-              <a:rPr lang="en" sz="3800">
+              <a:rPr lang="en" sz="1400">
                 <a:solidFill>
                   <a:srgbClr val="252423"/>
                 </a:solidFill>
@@ -10871,7 +11414,7 @@
               </a:rPr>
               <a:t>﻿</a:t>
             </a:r>
-            <a:endParaRPr sz="3800">
+            <a:endParaRPr sz="1400">
               <a:solidFill>
                 <a:srgbClr val="252423"/>
               </a:solidFill>
@@ -10895,7 +11438,7 @@
               <a:buNone/>
             </a:pPr>
             <a:r>
-              <a:rPr lang="en" sz="1000">
+              <a:rPr lang="en" sz="1400">
                 <a:solidFill>
                   <a:srgbClr val="252423"/>
                 </a:solidFill>
@@ -10909,7 +11452,7 @@
               </a:rPr>
               <a:t>﻿﻿</a:t>
             </a:r>
-            <a:endParaRPr sz="1000">
+            <a:endParaRPr sz="1400">
               <a:solidFill>
                 <a:srgbClr val="252423"/>
               </a:solidFill>
@@ -10933,7 +11476,7 @@
               <a:buNone/>
             </a:pPr>
             <a:r>
-              <a:rPr lang="en" sz="1000">
+              <a:rPr lang="en" sz="1400">
                 <a:solidFill>
                   <a:srgbClr val="252423"/>
                 </a:solidFill>
@@ -10947,7 +11490,7 @@
               </a:rPr>
               <a:t>﻿</a:t>
             </a:r>
-            <a:endParaRPr sz="1000">
+            <a:endParaRPr sz="1400">
               <a:solidFill>
                 <a:srgbClr val="252423"/>
               </a:solidFill>
@@ -10973,13 +11516,13 @@
             <a:r>
               <a:t/>
             </a:r>
-            <a:endParaRPr sz="5619"/>
+            <a:endParaRPr sz="1400"/>
           </a:p>
         </p:txBody>
       </p:sp>
       <p:pic>
         <p:nvPicPr>
-          <p:cNvPr id="164" name="Google Shape;164;p18"/>
+          <p:cNvPr id="170" name="Google Shape;170;p19"/>
           <p:cNvPicPr preferRelativeResize="0"/>
           <p:nvPr/>
         </p:nvPicPr>
@@ -11013,12 +11556,12 @@
 </p:sld>
 </file>
 
-<file path=ppt/slides/slide7.xml><?xml version="1.0" encoding="utf-8"?>
+<file path=ppt/slides/slide8.xml><?xml version="1.0" encoding="utf-8"?>
 <p:sld xmlns:a="http://schemas.openxmlformats.org/drawingml/2006/main" xmlns:r="http://schemas.openxmlformats.org/officeDocument/2006/relationships" xmlns:mc="http://schemas.openxmlformats.org/markup-compatibility/2006" xmlns:mv="urn:schemas-microsoft-com:mac:vml" xmlns:p="http://schemas.openxmlformats.org/presentationml/2006/main" xmlns:c="http://schemas.openxmlformats.org/drawingml/2006/chart" xmlns:dgm="http://schemas.openxmlformats.org/drawingml/2006/diagram" xmlns:o="urn:schemas-microsoft-com:office:office" xmlns:v="urn:schemas-microsoft-com:vml" xmlns:pvml="urn:schemas-microsoft-com:office:powerpoint" xmlns:com="http://schemas.openxmlformats.org/drawingml/2006/compatibility" xmlns:p14="http://schemas.microsoft.com/office/powerpoint/2010/main" xmlns:p15="http://schemas.microsoft.com/office/powerpoint/2012/main" xmlns:ahyp="http://schemas.microsoft.com/office/drawing/2018/hyperlinkcolor">
   <p:cSld>
     <p:spTree>
       <p:nvGrpSpPr>
-        <p:cNvPr id="168" name="Shape 168"/>
+        <p:cNvPr id="174" name="Shape 174"/>
         <p:cNvGrpSpPr/>
         <p:nvPr/>
       </p:nvGrpSpPr>
@@ -11032,7 +11575,7 @@
       </p:grpSpPr>
       <p:sp>
         <p:nvSpPr>
-          <p:cNvPr id="169" name="Google Shape;169;p19"/>
+          <p:cNvPr id="175" name="Google Shape;175;p20"/>
           <p:cNvSpPr txBox="1"/>
           <p:nvPr>
             <p:ph type="title"/>
@@ -11072,7 +11615,7 @@
       </p:sp>
       <p:sp>
         <p:nvSpPr>
-          <p:cNvPr id="170" name="Google Shape;170;p19"/>
+          <p:cNvPr id="176" name="Google Shape;176;p20"/>
           <p:cNvSpPr txBox="1"/>
           <p:nvPr>
             <p:ph idx="1" type="body"/>
@@ -11089,11 +11632,14 @@
         </p:spPr>
         <p:txBody>
           <a:bodyPr anchorCtr="0" anchor="t" bIns="91425" lIns="91425" spcFirstLastPara="1" rIns="91425" wrap="square" tIns="91425">
-            <a:normAutofit lnSpcReduction="20000"/>
+            <a:noAutofit/>
           </a:bodyPr>
           <a:lstStyle/>
           <a:p>
             <a:pPr indent="0" lvl="0" marL="0" rtl="0" algn="l">
+              <a:lnSpc>
+                <a:spcPct val="95000"/>
+              </a:lnSpc>
               <a:spcBef>
                 <a:spcPts val="0"/>
               </a:spcBef>
@@ -11103,13 +11649,16 @@
               <a:buNone/>
             </a:pPr>
             <a:r>
-              <a:rPr lang="en"/>
+              <a:rPr lang="en" sz="1400"/>
               <a:t>In this area chart we can see the Average torque by price range in lakhs</a:t>
             </a:r>
-            <a:endParaRPr/>
+            <a:endParaRPr sz="1400"/>
           </a:p>
           <a:p>
             <a:pPr indent="0" lvl="0" marL="0" rtl="0" algn="l">
+              <a:lnSpc>
+                <a:spcPct val="95000"/>
+              </a:lnSpc>
               <a:spcBef>
                 <a:spcPts val="1200"/>
               </a:spcBef>
@@ -11119,13 +11668,16 @@
               <a:buNone/>
             </a:pPr>
             <a:r>
-              <a:rPr lang="en"/>
+              <a:rPr lang="en" sz="1400"/>
               <a:t>At 651.67 , 100+ had the highest average torque pricewise and was 682.93% higher than 1-5 , which had the lowest average torque pricewise at 83.24</a:t>
             </a:r>
-            <a:endParaRPr/>
+            <a:endParaRPr sz="1400"/>
           </a:p>
           <a:p>
             <a:pPr indent="0" lvl="0" marL="0" rtl="0" algn="l">
+              <a:lnSpc>
+                <a:spcPct val="95000"/>
+              </a:lnSpc>
               <a:spcBef>
                 <a:spcPts val="1200"/>
               </a:spcBef>
@@ -11135,13 +11687,16 @@
               <a:buNone/>
             </a:pPr>
             <a:r>
-              <a:rPr lang="en"/>
+              <a:rPr lang="en" sz="1400"/>
               <a:t>100+ accounted for 23.05% of average torque pricewise</a:t>
             </a:r>
-            <a:endParaRPr/>
+            <a:endParaRPr sz="1400"/>
           </a:p>
           <a:p>
             <a:pPr indent="0" lvl="0" marL="0" rtl="0" algn="l">
+              <a:lnSpc>
+                <a:spcPct val="95000"/>
+              </a:lnSpc>
               <a:spcBef>
                 <a:spcPts val="1200"/>
               </a:spcBef>
@@ -11151,24 +11706,24 @@
               <a:buNone/>
             </a:pPr>
             <a:r>
-              <a:rPr lang="en"/>
+              <a:rPr lang="en" sz="1400"/>
               <a:t>Across all 9 price ranges in lakhs , average </a:t>
             </a:r>
             <a:r>
-              <a:rPr lang="en"/>
+              <a:rPr lang="en" sz="1400"/>
               <a:t>price wise</a:t>
             </a:r>
             <a:r>
-              <a:rPr lang="en"/>
+              <a:rPr lang="en" sz="1400"/>
               <a:t> ranged from 83.24 to 651.67</a:t>
             </a:r>
-            <a:endParaRPr/>
+            <a:endParaRPr sz="1400"/>
           </a:p>
         </p:txBody>
       </p:sp>
       <p:pic>
         <p:nvPicPr>
-          <p:cNvPr id="171" name="Google Shape;171;p19"/>
+          <p:cNvPr id="177" name="Google Shape;177;p20"/>
           <p:cNvPicPr preferRelativeResize="0"/>
           <p:nvPr/>
         </p:nvPicPr>
@@ -11202,12 +11757,12 @@
 </p:sld>
 </file>
 
-<file path=ppt/slides/slide8.xml><?xml version="1.0" encoding="utf-8"?>
+<file path=ppt/slides/slide9.xml><?xml version="1.0" encoding="utf-8"?>
 <p:sld xmlns:a="http://schemas.openxmlformats.org/drawingml/2006/main" xmlns:r="http://schemas.openxmlformats.org/officeDocument/2006/relationships" xmlns:mc="http://schemas.openxmlformats.org/markup-compatibility/2006" xmlns:mv="urn:schemas-microsoft-com:mac:vml" xmlns:p="http://schemas.openxmlformats.org/presentationml/2006/main" xmlns:c="http://schemas.openxmlformats.org/drawingml/2006/chart" xmlns:dgm="http://schemas.openxmlformats.org/drawingml/2006/diagram" xmlns:o="urn:schemas-microsoft-com:office:office" xmlns:v="urn:schemas-microsoft-com:vml" xmlns:pvml="urn:schemas-microsoft-com:office:powerpoint" xmlns:com="http://schemas.openxmlformats.org/drawingml/2006/compatibility" xmlns:p14="http://schemas.microsoft.com/office/powerpoint/2010/main" xmlns:p15="http://schemas.microsoft.com/office/powerpoint/2012/main" xmlns:ahyp="http://schemas.microsoft.com/office/drawing/2018/hyperlinkcolor">
   <p:cSld>
     <p:spTree>
       <p:nvGrpSpPr>
-        <p:cNvPr id="175" name="Shape 175"/>
+        <p:cNvPr id="181" name="Shape 181"/>
         <p:cNvGrpSpPr/>
         <p:nvPr/>
       </p:nvGrpSpPr>
@@ -11221,7 +11776,7 @@
       </p:grpSpPr>
       <p:sp>
         <p:nvSpPr>
-          <p:cNvPr id="176" name="Google Shape;176;p20"/>
+          <p:cNvPr id="182" name="Google Shape;182;p21"/>
           <p:cNvSpPr txBox="1"/>
           <p:nvPr>
             <p:ph type="title"/>
@@ -11261,7 +11816,7 @@
       </p:sp>
       <p:sp>
         <p:nvSpPr>
-          <p:cNvPr id="177" name="Google Shape;177;p20"/>
+          <p:cNvPr id="183" name="Google Shape;183;p21"/>
           <p:cNvSpPr txBox="1"/>
           <p:nvPr>
             <p:ph idx="1" type="body"/>
@@ -11292,10 +11847,10 @@
               <a:buNone/>
             </a:pPr>
             <a:r>
-              <a:rPr lang="en"/>
+              <a:rPr lang="en" sz="1400"/>
               <a:t>In this line chart we can see the Body type count of per body type</a:t>
             </a:r>
-            <a:endParaRPr/>
+            <a:endParaRPr sz="1400"/>
           </a:p>
           <a:p>
             <a:pPr indent="0" lvl="0" marL="0" rtl="0" algn="l">
@@ -11308,10 +11863,10 @@
               <a:buNone/>
             </a:pPr>
             <a:r>
-              <a:rPr lang="en"/>
+              <a:rPr lang="en" sz="1400"/>
               <a:t>Body type count was highest for SUV at 448 , followed by Sedan and Hatchback</a:t>
             </a:r>
-            <a:endParaRPr/>
+            <a:endParaRPr sz="1400"/>
           </a:p>
           <a:p>
             <a:pPr indent="0" lvl="0" marL="0" rtl="0" algn="l">
@@ -11324,14 +11879,14 @@
               <a:buNone/>
             </a:pPr>
             <a:r>
-              <a:rPr lang="en"/>
+              <a:rPr lang="en" sz="1400"/>
               <a:t>SUV </a:t>
             </a:r>
             <a:r>
-              <a:rPr lang="en"/>
+              <a:rPr lang="en" sz="1400"/>
               <a:t>accounted for 35.14% of body type counts</a:t>
             </a:r>
-            <a:endParaRPr/>
+            <a:endParaRPr sz="1400"/>
           </a:p>
           <a:p>
             <a:pPr indent="0" lvl="0" marL="0" rtl="0" algn="l">
@@ -11344,16 +11899,16 @@
               <a:buNone/>
             </a:pPr>
             <a:r>
-              <a:rPr lang="en"/>
+              <a:rPr lang="en" sz="1400"/>
               <a:t>Across 16 body type, the body type count ranged  from 1 to 448</a:t>
             </a:r>
-            <a:endParaRPr/>
+            <a:endParaRPr sz="1400"/>
           </a:p>
         </p:txBody>
       </p:sp>
       <p:pic>
         <p:nvPicPr>
-          <p:cNvPr id="178" name="Google Shape;178;p20"/>
+          <p:cNvPr id="184" name="Google Shape;184;p21"/>
           <p:cNvPicPr preferRelativeResize="0"/>
           <p:nvPr/>
         </p:nvPicPr>
@@ -11387,238 +11942,286 @@
 </p:sld>
 </file>
 
-<file path=ppt/slides/slide9.xml><?xml version="1.0" encoding="utf-8"?>
-<p:sld xmlns:a="http://schemas.openxmlformats.org/drawingml/2006/main" xmlns:r="http://schemas.openxmlformats.org/officeDocument/2006/relationships" xmlns:mc="http://schemas.openxmlformats.org/markup-compatibility/2006" xmlns:mv="urn:schemas-microsoft-com:mac:vml" xmlns:p="http://schemas.openxmlformats.org/presentationml/2006/main" xmlns:c="http://schemas.openxmlformats.org/drawingml/2006/chart" xmlns:dgm="http://schemas.openxmlformats.org/drawingml/2006/diagram" xmlns:o="urn:schemas-microsoft-com:office:office" xmlns:v="urn:schemas-microsoft-com:vml" xmlns:pvml="urn:schemas-microsoft-com:office:powerpoint" xmlns:com="http://schemas.openxmlformats.org/drawingml/2006/compatibility" xmlns:p14="http://schemas.microsoft.com/office/powerpoint/2010/main" xmlns:p15="http://schemas.microsoft.com/office/powerpoint/2012/main" xmlns:ahyp="http://schemas.microsoft.com/office/drawing/2018/hyperlinkcolor">
-  <p:cSld>
-    <p:spTree>
-      <p:nvGrpSpPr>
-        <p:cNvPr id="182" name="Shape 182"/>
-        <p:cNvGrpSpPr/>
-        <p:nvPr/>
-      </p:nvGrpSpPr>
-      <p:grpSpPr>
-        <a:xfrm>
-          <a:off x="0" y="0"/>
-          <a:ext cx="0" cy="0"/>
-          <a:chOff x="0" y="0"/>
-          <a:chExt cx="0" cy="0"/>
-        </a:xfrm>
-      </p:grpSpPr>
-      <p:sp>
-        <p:nvSpPr>
-          <p:cNvPr id="183" name="Google Shape;183;p21"/>
-          <p:cNvSpPr txBox="1"/>
-          <p:nvPr>
-            <p:ph type="title"/>
-          </p:nvPr>
-        </p:nvSpPr>
-        <p:spPr>
-          <a:xfrm>
-            <a:off x="270950" y="302550"/>
-            <a:ext cx="3521700" cy="1487100"/>
-          </a:xfrm>
-          <a:prstGeom prst="rect">
-            <a:avLst/>
-          </a:prstGeom>
-        </p:spPr>
-        <p:txBody>
-          <a:bodyPr anchorCtr="0" anchor="t" bIns="91425" lIns="91425" spcFirstLastPara="1" rIns="91425" wrap="square" tIns="91425">
-            <a:normAutofit/>
-          </a:bodyPr>
-          <a:lstStyle/>
-          <a:p>
-            <a:pPr indent="0" lvl="0" marL="0" rtl="0" algn="l">
-              <a:spcBef>
-                <a:spcPts val="0"/>
-              </a:spcBef>
-              <a:spcAft>
-                <a:spcPts val="0"/>
-              </a:spcAft>
-              <a:buNone/>
-            </a:pPr>
-            <a:r>
-              <a:rPr b="1" lang="en" u="sng"/>
-              <a:t>Average Power by price range</a:t>
-            </a:r>
-            <a:endParaRPr b="1" u="sng"/>
-          </a:p>
-        </p:txBody>
-      </p:sp>
-      <p:sp>
-        <p:nvSpPr>
-          <p:cNvPr id="184" name="Google Shape;184;p21"/>
-          <p:cNvSpPr txBox="1"/>
-          <p:nvPr>
-            <p:ph idx="1" type="body"/>
-          </p:nvPr>
-        </p:nvSpPr>
-        <p:spPr>
-          <a:xfrm>
-            <a:off x="153200" y="2037375"/>
-            <a:ext cx="3798900" cy="2415900"/>
-          </a:xfrm>
-          <a:prstGeom prst="rect">
-            <a:avLst/>
-          </a:prstGeom>
-        </p:spPr>
-        <p:txBody>
-          <a:bodyPr anchorCtr="0" anchor="t" bIns="91425" lIns="91425" spcFirstLastPara="1" rIns="91425" wrap="square" tIns="91425">
-            <a:normAutofit fontScale="77500" lnSpcReduction="20000"/>
-          </a:bodyPr>
-          <a:lstStyle/>
-          <a:p>
-            <a:pPr indent="0" lvl="0" marL="0" rtl="0" algn="l">
-              <a:spcBef>
-                <a:spcPts val="0"/>
-              </a:spcBef>
-              <a:spcAft>
-                <a:spcPts val="0"/>
-              </a:spcAft>
-              <a:buNone/>
-            </a:pPr>
-            <a:r>
-              <a:rPr lang="en"/>
-              <a:t>In this line chart we can see the average power of cars per price ranges</a:t>
-            </a:r>
-            <a:endParaRPr/>
-          </a:p>
-          <a:p>
-            <a:pPr indent="0" lvl="0" marL="0" rtl="0" algn="l">
-              <a:spcBef>
-                <a:spcPts val="1200"/>
-              </a:spcBef>
-              <a:spcAft>
-                <a:spcPts val="0"/>
-              </a:spcAft>
-              <a:buNone/>
-            </a:pPr>
-            <a:r>
-              <a:rPr lang="en"/>
-              <a:t>At 476.60 100+ has the highest average power pricewise and was 684.27% higher than 1-5 range , </a:t>
-            </a:r>
-            <a:r>
-              <a:rPr lang="en"/>
-              <a:t>which</a:t>
-            </a:r>
-            <a:r>
-              <a:rPr lang="en"/>
-              <a:t> had the lowest average power pricewise at 60.77</a:t>
-            </a:r>
-            <a:endParaRPr/>
-          </a:p>
-          <a:p>
-            <a:pPr indent="0" lvl="0" marL="0" rtl="0" algn="l">
-              <a:spcBef>
-                <a:spcPts val="1200"/>
-              </a:spcBef>
-              <a:spcAft>
-                <a:spcPts val="0"/>
-              </a:spcAft>
-              <a:buNone/>
-            </a:pPr>
-            <a:r>
-              <a:rPr lang="en"/>
-              <a:t>100+ accounted for 28.98% of average power pricewise</a:t>
-            </a:r>
-            <a:endParaRPr/>
-          </a:p>
-          <a:p>
-            <a:pPr indent="0" lvl="0" marL="0" rtl="0" algn="l">
-              <a:spcBef>
-                <a:spcPts val="1200"/>
-              </a:spcBef>
-              <a:spcAft>
-                <a:spcPts val="0"/>
-              </a:spcAft>
-              <a:buNone/>
-            </a:pPr>
-            <a:r>
-              <a:rPr lang="en"/>
-              <a:t>Across all 9 price ranges in lakhs , </a:t>
-            </a:r>
-            <a:r>
-              <a:rPr lang="en"/>
-              <a:t>average</a:t>
-            </a:r>
-            <a:r>
-              <a:rPr lang="en"/>
-              <a:t> power pricewise </a:t>
-            </a:r>
-            <a:r>
-              <a:rPr lang="en"/>
-              <a:t>ranged from 60.77 to 476.60</a:t>
-            </a:r>
-            <a:endParaRPr/>
-          </a:p>
-          <a:p>
-            <a:pPr indent="0" lvl="0" marL="0" rtl="0" algn="l">
-              <a:spcBef>
-                <a:spcPts val="1200"/>
-              </a:spcBef>
-              <a:spcAft>
-                <a:spcPts val="0"/>
-              </a:spcAft>
-              <a:buNone/>
-            </a:pPr>
-            <a:r>
-              <a:t/>
-            </a:r>
-            <a:endParaRPr/>
-          </a:p>
-          <a:p>
-            <a:pPr indent="0" lvl="0" marL="0" rtl="0" algn="l">
-              <a:spcBef>
-                <a:spcPts val="1200"/>
-              </a:spcBef>
-              <a:spcAft>
-                <a:spcPts val="1200"/>
-              </a:spcAft>
-              <a:buNone/>
-            </a:pPr>
-            <a:r>
-              <a:t/>
-            </a:r>
-            <a:endParaRPr/>
-          </a:p>
-        </p:txBody>
-      </p:sp>
-      <p:pic>
-        <p:nvPicPr>
-          <p:cNvPr id="185" name="Google Shape;185;p21"/>
-          <p:cNvPicPr preferRelativeResize="0"/>
-          <p:nvPr/>
-        </p:nvPicPr>
-        <p:blipFill>
-          <a:blip r:embed="rId3">
-            <a:alphaModFix/>
-          </a:blip>
-          <a:stretch>
-            <a:fillRect/>
-          </a:stretch>
-        </p:blipFill>
-        <p:spPr>
-          <a:xfrm>
-            <a:off x="3952100" y="929300"/>
-            <a:ext cx="4887101" cy="3144450"/>
-          </a:xfrm>
-          <a:prstGeom prst="rect">
-            <a:avLst/>
-          </a:prstGeom>
-          <a:noFill/>
-          <a:ln>
-            <a:noFill/>
-          </a:ln>
-        </p:spPr>
-      </p:pic>
-    </p:spTree>
-  </p:cSld>
-  <p:clrMapOvr>
-    <a:masterClrMapping/>
-  </p:clrMapOvr>
-</p:sld>
+<file path=ppt/theme/theme1.xml><?xml version="1.0" encoding="utf-8"?>
+<a:theme xmlns:a="http://schemas.openxmlformats.org/drawingml/2006/main" xmlns:r="http://schemas.openxmlformats.org/officeDocument/2006/relationships" name="Shift">
+  <a:themeElements>
+    <a:clrScheme name="Shift">
+      <a:dk1>
+        <a:srgbClr val="FFFFFF"/>
+      </a:dk1>
+      <a:lt1>
+        <a:srgbClr val="AF7B51"/>
+      </a:lt1>
+      <a:dk2>
+        <a:srgbClr val="233A44"/>
+      </a:dk2>
+      <a:lt2>
+        <a:srgbClr val="D9D9D9"/>
+      </a:lt2>
+      <a:accent1>
+        <a:srgbClr val="00796B"/>
+      </a:accent1>
+      <a:accent2>
+        <a:srgbClr val="D9563F"/>
+      </a:accent2>
+      <a:accent3>
+        <a:srgbClr val="C4A15A"/>
+      </a:accent3>
+      <a:accent4>
+        <a:srgbClr val="14F597"/>
+      </a:accent4>
+      <a:accent5>
+        <a:srgbClr val="3D4594"/>
+      </a:accent5>
+      <a:accent6>
+        <a:srgbClr val="163EF5"/>
+      </a:accent6>
+      <a:hlink>
+        <a:srgbClr val="3D4594"/>
+      </a:hlink>
+      <a:folHlink>
+        <a:srgbClr val="3D4594"/>
+      </a:folHlink>
+    </a:clrScheme>
+    <a:fontScheme name="Office">
+      <a:majorFont>
+        <a:latin typeface="Arial"/>
+        <a:ea typeface=""/>
+        <a:cs typeface=""/>
+        <a:font script="Jpan" typeface="ＭＳ Ｐゴシック"/>
+        <a:font script="Hang" typeface="맑은 고딕"/>
+        <a:font script="Hans" typeface="宋体"/>
+        <a:font script="Hant" typeface="新細明體"/>
+        <a:font script="Arab" typeface="Times New Roman"/>
+        <a:font script="Hebr" typeface="Times New Roman"/>
+        <a:font script="Thai" typeface="Angsana New"/>
+        <a:font script="Ethi" typeface="Nyala"/>
+        <a:font script="Beng" typeface="Vrinda"/>
+        <a:font script="Gujr" typeface="Shruti"/>
+        <a:font script="Khmr" typeface="MoolBoran"/>
+        <a:font script="Knda" typeface="Tunga"/>
+        <a:font script="Guru" typeface="Raavi"/>
+        <a:font script="Cans" typeface="Euphemia"/>
+        <a:font script="Cher" typeface="Plantagenet Cherokee"/>
+        <a:font script="Yiii" typeface="Microsoft Yi Baiti"/>
+        <a:font script="Tibt" typeface="Microsoft Himalaya"/>
+        <a:font script="Thaa" typeface="MV Boli"/>
+        <a:font script="Deva" typeface="Mangal"/>
+        <a:font script="Telu" typeface="Gautami"/>
+        <a:font script="Taml" typeface="Latha"/>
+        <a:font script="Syrc" typeface="Estrangelo Edessa"/>
+        <a:font script="Orya" typeface="Kalinga"/>
+        <a:font script="Mlym" typeface="Kartika"/>
+        <a:font script="Laoo" typeface="DokChampa"/>
+        <a:font script="Sinh" typeface="Iskoola Pota"/>
+        <a:font script="Mong" typeface="Mongolian Baiti"/>
+        <a:font script="Viet" typeface="Times New Roman"/>
+        <a:font script="Uigh" typeface="Microsoft Uighur"/>
+        <a:font script="Geor" typeface="Sylfaen"/>
+      </a:majorFont>
+      <a:minorFont>
+        <a:latin typeface="Arial"/>
+        <a:ea typeface=""/>
+        <a:cs typeface=""/>
+        <a:font script="Jpan" typeface="ＭＳ Ｐゴシック"/>
+        <a:font script="Hang" typeface="맑은 고딕"/>
+        <a:font script="Hans" typeface="宋体"/>
+        <a:font script="Hant" typeface="新細明體"/>
+        <a:font script="Arab" typeface="Arial"/>
+        <a:font script="Hebr" typeface="Arial"/>
+        <a:font script="Thai" typeface="Cordia New"/>
+        <a:font script="Ethi" typeface="Nyala"/>
+        <a:font script="Beng" typeface="Vrinda"/>
+        <a:font script="Gujr" typeface="Shruti"/>
+        <a:font script="Khmr" typeface="DaunPenh"/>
+        <a:font script="Knda" typeface="Tunga"/>
+        <a:font script="Guru" typeface="Raavi"/>
+        <a:font script="Cans" typeface="Euphemia"/>
+        <a:font script="Cher" typeface="Plantagenet Cherokee"/>
+        <a:font script="Yiii" typeface="Microsoft Yi Baiti"/>
+        <a:font script="Tibt" typeface="Microsoft Himalaya"/>
+        <a:font script="Thaa" typeface="MV Boli"/>
+        <a:font script="Deva" typeface="Mangal"/>
+        <a:font script="Telu" typeface="Gautami"/>
+        <a:font script="Taml" typeface="Latha"/>
+        <a:font script="Syrc" typeface="Estrangelo Edessa"/>
+        <a:font script="Orya" typeface="Kalinga"/>
+        <a:font script="Mlym" typeface="Kartika"/>
+        <a:font script="Laoo" typeface="DokChampa"/>
+        <a:font script="Sinh" typeface="Iskoola Pota"/>
+        <a:font script="Mong" typeface="Mongolian Baiti"/>
+        <a:font script="Viet" typeface="Arial"/>
+        <a:font script="Uigh" typeface="Microsoft Uighur"/>
+        <a:font script="Geor" typeface="Sylfaen"/>
+      </a:minorFont>
+    </a:fontScheme>
+    <a:fmtScheme name="Office">
+      <a:fillStyleLst>
+        <a:solidFill>
+          <a:schemeClr val="phClr"/>
+        </a:solidFill>
+        <a:gradFill rotWithShape="1">
+          <a:gsLst>
+            <a:gs pos="0">
+              <a:schemeClr val="phClr">
+                <a:tint val="50000"/>
+                <a:satMod val="300000"/>
+              </a:schemeClr>
+            </a:gs>
+            <a:gs pos="35000">
+              <a:schemeClr val="phClr">
+                <a:tint val="37000"/>
+                <a:satMod val="300000"/>
+              </a:schemeClr>
+            </a:gs>
+            <a:gs pos="100000">
+              <a:schemeClr val="phClr">
+                <a:tint val="15000"/>
+                <a:satMod val="350000"/>
+              </a:schemeClr>
+            </a:gs>
+          </a:gsLst>
+          <a:lin ang="16200000" scaled="1"/>
+        </a:gradFill>
+        <a:gradFill rotWithShape="1">
+          <a:gsLst>
+            <a:gs pos="0">
+              <a:schemeClr val="phClr">
+                <a:tint val="100000"/>
+                <a:shade val="100000"/>
+                <a:satMod val="130000"/>
+              </a:schemeClr>
+            </a:gs>
+            <a:gs pos="100000">
+              <a:schemeClr val="phClr">
+                <a:tint val="50000"/>
+                <a:shade val="100000"/>
+                <a:satMod val="350000"/>
+              </a:schemeClr>
+            </a:gs>
+          </a:gsLst>
+          <a:lin ang="16200000" scaled="0"/>
+        </a:gradFill>
+      </a:fillStyleLst>
+      <a:lnStyleLst>
+        <a:ln w="9525" cap="flat" cmpd="sng" algn="ctr">
+          <a:solidFill>
+            <a:schemeClr val="phClr">
+              <a:shade val="95000"/>
+              <a:satMod val="105000"/>
+            </a:schemeClr>
+          </a:solidFill>
+          <a:prstDash val="solid"/>
+        </a:ln>
+        <a:ln w="25400" cap="flat" cmpd="sng" algn="ctr">
+          <a:solidFill>
+            <a:schemeClr val="phClr"/>
+          </a:solidFill>
+          <a:prstDash val="solid"/>
+        </a:ln>
+        <a:ln w="38100" cap="flat" cmpd="sng" algn="ctr">
+          <a:solidFill>
+            <a:schemeClr val="phClr"/>
+          </a:solidFill>
+          <a:prstDash val="solid"/>
+        </a:ln>
+      </a:lnStyleLst>
+      <a:effectStyleLst>
+        <a:effectStyle>
+          <a:effectLst>
+            <a:outerShdw blurRad="40000" dist="20000" dir="5400000" rotWithShape="0">
+              <a:srgbClr val="000000">
+                <a:alpha val="38000"/>
+              </a:srgbClr>
+            </a:outerShdw>
+          </a:effectLst>
+        </a:effectStyle>
+        <a:effectStyle>
+          <a:effectLst>
+            <a:outerShdw blurRad="40000" dist="23000" dir="5400000" rotWithShape="0">
+              <a:srgbClr val="000000">
+                <a:alpha val="35000"/>
+              </a:srgbClr>
+            </a:outerShdw>
+          </a:effectLst>
+        </a:effectStyle>
+        <a:effectStyle>
+          <a:effectLst>
+            <a:outerShdw blurRad="40000" dist="23000" dir="5400000" rotWithShape="0">
+              <a:srgbClr val="000000">
+                <a:alpha val="35000"/>
+              </a:srgbClr>
+            </a:outerShdw>
+          </a:effectLst>
+          <a:scene3d>
+            <a:camera prst="orthographicFront">
+              <a:rot lat="0" lon="0" rev="0"/>
+            </a:camera>
+            <a:lightRig rig="threePt" dir="t">
+              <a:rot lat="0" lon="0" rev="1200000"/>
+            </a:lightRig>
+          </a:scene3d>
+          <a:sp3d>
+            <a:bevelT w="63500" h="25400"/>
+          </a:sp3d>
+        </a:effectStyle>
+      </a:effectStyleLst>
+      <a:bgFillStyleLst>
+        <a:solidFill>
+          <a:schemeClr val="phClr"/>
+        </a:solidFill>
+        <a:gradFill rotWithShape="1">
+          <a:gsLst>
+            <a:gs pos="0">
+              <a:schemeClr val="phClr">
+                <a:tint val="40000"/>
+                <a:satMod val="350000"/>
+              </a:schemeClr>
+            </a:gs>
+            <a:gs pos="40000">
+              <a:schemeClr val="phClr">
+                <a:tint val="45000"/>
+                <a:shade val="99000"/>
+                <a:satMod val="350000"/>
+              </a:schemeClr>
+            </a:gs>
+            <a:gs pos="100000">
+              <a:schemeClr val="phClr">
+                <a:shade val="20000"/>
+                <a:satMod val="255000"/>
+              </a:schemeClr>
+            </a:gs>
+          </a:gsLst>
+          <a:path path="circle">
+            <a:fillToRect l="50000" t="-80000" r="50000" b="180000"/>
+          </a:path>
+        </a:gradFill>
+        <a:gradFill rotWithShape="1">
+          <a:gsLst>
+            <a:gs pos="0">
+              <a:schemeClr val="phClr">
+                <a:tint val="80000"/>
+                <a:satMod val="300000"/>
+              </a:schemeClr>
+            </a:gs>
+            <a:gs pos="100000">
+              <a:schemeClr val="phClr">
+                <a:shade val="30000"/>
+                <a:satMod val="200000"/>
+              </a:schemeClr>
+            </a:gs>
+          </a:gsLst>
+          <a:path path="circle">
+            <a:fillToRect l="50000" t="50000" r="50000" b="50000"/>
+          </a:path>
+        </a:gradFill>
+      </a:bgFillStyleLst>
+    </a:fmtScheme>
+  </a:themeElements>
+</a:theme>
 </file>
 
-<file path=ppt/theme/theme1.xml><?xml version="1.0" encoding="utf-8"?>
+<file path=ppt/theme/theme2.xml><?xml version="1.0" encoding="utf-8"?>
 <a:theme xmlns:a="http://schemas.openxmlformats.org/drawingml/2006/main" xmlns:r="http://schemas.openxmlformats.org/officeDocument/2006/relationships">
   <a:themeElements>
     <a:clrScheme name="Default">
@@ -11895,283 +12498,4 @@
     </a:fmtScheme>
   </a:themeElements>
 </a:theme>
-</file>
-
-<file path=ppt/theme/theme2.xml><?xml version="1.0" encoding="utf-8"?>
-<a:theme xmlns:a="http://schemas.openxmlformats.org/drawingml/2006/main" xmlns:r="http://schemas.openxmlformats.org/officeDocument/2006/relationships" name="Shift">
-  <a:themeElements>
-    <a:clrScheme name="Shift">
-      <a:dk1>
-        <a:srgbClr val="FFFFFF"/>
-      </a:dk1>
-      <a:lt1>
-        <a:srgbClr val="AF7B51"/>
-      </a:lt1>
-      <a:dk2>
-        <a:srgbClr val="233A44"/>
-      </a:dk2>
-      <a:lt2>
-        <a:srgbClr val="D9D9D9"/>
-      </a:lt2>
-      <a:accent1>
-        <a:srgbClr val="00796B"/>
-      </a:accent1>
-      <a:accent2>
-        <a:srgbClr val="D9563F"/>
-      </a:accent2>
-      <a:accent3>
-        <a:srgbClr val="C4A15A"/>
-      </a:accent3>
-      <a:accent4>
-        <a:srgbClr val="14F597"/>
-      </a:accent4>
-      <a:accent5>
-        <a:srgbClr val="3D4594"/>
-      </a:accent5>
-      <a:accent6>
-        <a:srgbClr val="163EF5"/>
-      </a:accent6>
-      <a:hlink>
-        <a:srgbClr val="3D4594"/>
-      </a:hlink>
-      <a:folHlink>
-        <a:srgbClr val="3D4594"/>
-      </a:folHlink>
-    </a:clrScheme>
-    <a:fontScheme name="Office">
-      <a:majorFont>
-        <a:latin typeface="Arial"/>
-        <a:ea typeface=""/>
-        <a:cs typeface=""/>
-        <a:font script="Jpan" typeface="ＭＳ Ｐゴシック"/>
-        <a:font script="Hang" typeface="맑은 고딕"/>
-        <a:font script="Hans" typeface="宋体"/>
-        <a:font script="Hant" typeface="新細明體"/>
-        <a:font script="Arab" typeface="Times New Roman"/>
-        <a:font script="Hebr" typeface="Times New Roman"/>
-        <a:font script="Thai" typeface="Angsana New"/>
-        <a:font script="Ethi" typeface="Nyala"/>
-        <a:font script="Beng" typeface="Vrinda"/>
-        <a:font script="Gujr" typeface="Shruti"/>
-        <a:font script="Khmr" typeface="MoolBoran"/>
-        <a:font script="Knda" typeface="Tunga"/>
-        <a:font script="Guru" typeface="Raavi"/>
-        <a:font script="Cans" typeface="Euphemia"/>
-        <a:font script="Cher" typeface="Plantagenet Cherokee"/>
-        <a:font script="Yiii" typeface="Microsoft Yi Baiti"/>
-        <a:font script="Tibt" typeface="Microsoft Himalaya"/>
-        <a:font script="Thaa" typeface="MV Boli"/>
-        <a:font script="Deva" typeface="Mangal"/>
-        <a:font script="Telu" typeface="Gautami"/>
-        <a:font script="Taml" typeface="Latha"/>
-        <a:font script="Syrc" typeface="Estrangelo Edessa"/>
-        <a:font script="Orya" typeface="Kalinga"/>
-        <a:font script="Mlym" typeface="Kartika"/>
-        <a:font script="Laoo" typeface="DokChampa"/>
-        <a:font script="Sinh" typeface="Iskoola Pota"/>
-        <a:font script="Mong" typeface="Mongolian Baiti"/>
-        <a:font script="Viet" typeface="Times New Roman"/>
-        <a:font script="Uigh" typeface="Microsoft Uighur"/>
-        <a:font script="Geor" typeface="Sylfaen"/>
-      </a:majorFont>
-      <a:minorFont>
-        <a:latin typeface="Arial"/>
-        <a:ea typeface=""/>
-        <a:cs typeface=""/>
-        <a:font script="Jpan" typeface="ＭＳ Ｐゴシック"/>
-        <a:font script="Hang" typeface="맑은 고딕"/>
-        <a:font script="Hans" typeface="宋体"/>
-        <a:font script="Hant" typeface="新細明體"/>
-        <a:font script="Arab" typeface="Arial"/>
-        <a:font script="Hebr" typeface="Arial"/>
-        <a:font script="Thai" typeface="Cordia New"/>
-        <a:font script="Ethi" typeface="Nyala"/>
-        <a:font script="Beng" typeface="Vrinda"/>
-        <a:font script="Gujr" typeface="Shruti"/>
-        <a:font script="Khmr" typeface="DaunPenh"/>
-        <a:font script="Knda" typeface="Tunga"/>
-        <a:font script="Guru" typeface="Raavi"/>
-        <a:font script="Cans" typeface="Euphemia"/>
-        <a:font script="Cher" typeface="Plantagenet Cherokee"/>
-        <a:font script="Yiii" typeface="Microsoft Yi Baiti"/>
-        <a:font script="Tibt" typeface="Microsoft Himalaya"/>
-        <a:font script="Thaa" typeface="MV Boli"/>
-        <a:font script="Deva" typeface="Mangal"/>
-        <a:font script="Telu" typeface="Gautami"/>
-        <a:font script="Taml" typeface="Latha"/>
-        <a:font script="Syrc" typeface="Estrangelo Edessa"/>
-        <a:font script="Orya" typeface="Kalinga"/>
-        <a:font script="Mlym" typeface="Kartika"/>
-        <a:font script="Laoo" typeface="DokChampa"/>
-        <a:font script="Sinh" typeface="Iskoola Pota"/>
-        <a:font script="Mong" typeface="Mongolian Baiti"/>
-        <a:font script="Viet" typeface="Arial"/>
-        <a:font script="Uigh" typeface="Microsoft Uighur"/>
-        <a:font script="Geor" typeface="Sylfaen"/>
-      </a:minorFont>
-    </a:fontScheme>
-    <a:fmtScheme name="Office">
-      <a:fillStyleLst>
-        <a:solidFill>
-          <a:schemeClr val="phClr"/>
-        </a:solidFill>
-        <a:gradFill rotWithShape="1">
-          <a:gsLst>
-            <a:gs pos="0">
-              <a:schemeClr val="phClr">
-                <a:tint val="50000"/>
-                <a:satMod val="300000"/>
-              </a:schemeClr>
-            </a:gs>
-            <a:gs pos="35000">
-              <a:schemeClr val="phClr">
-                <a:tint val="37000"/>
-                <a:satMod val="300000"/>
-              </a:schemeClr>
-            </a:gs>
-            <a:gs pos="100000">
-              <a:schemeClr val="phClr">
-                <a:tint val="15000"/>
-                <a:satMod val="350000"/>
-              </a:schemeClr>
-            </a:gs>
-          </a:gsLst>
-          <a:lin ang="16200000" scaled="1"/>
-        </a:gradFill>
-        <a:gradFill rotWithShape="1">
-          <a:gsLst>
-            <a:gs pos="0">
-              <a:schemeClr val="phClr">
-                <a:tint val="100000"/>
-                <a:shade val="100000"/>
-                <a:satMod val="130000"/>
-              </a:schemeClr>
-            </a:gs>
-            <a:gs pos="100000">
-              <a:schemeClr val="phClr">
-                <a:tint val="50000"/>
-                <a:shade val="100000"/>
-                <a:satMod val="350000"/>
-              </a:schemeClr>
-            </a:gs>
-          </a:gsLst>
-          <a:lin ang="16200000" scaled="0"/>
-        </a:gradFill>
-      </a:fillStyleLst>
-      <a:lnStyleLst>
-        <a:ln w="9525" cap="flat" cmpd="sng" algn="ctr">
-          <a:solidFill>
-            <a:schemeClr val="phClr">
-              <a:shade val="95000"/>
-              <a:satMod val="105000"/>
-            </a:schemeClr>
-          </a:solidFill>
-          <a:prstDash val="solid"/>
-        </a:ln>
-        <a:ln w="25400" cap="flat" cmpd="sng" algn="ctr">
-          <a:solidFill>
-            <a:schemeClr val="phClr"/>
-          </a:solidFill>
-          <a:prstDash val="solid"/>
-        </a:ln>
-        <a:ln w="38100" cap="flat" cmpd="sng" algn="ctr">
-          <a:solidFill>
-            <a:schemeClr val="phClr"/>
-          </a:solidFill>
-          <a:prstDash val="solid"/>
-        </a:ln>
-      </a:lnStyleLst>
-      <a:effectStyleLst>
-        <a:effectStyle>
-          <a:effectLst>
-            <a:outerShdw blurRad="40000" dist="20000" dir="5400000" rotWithShape="0">
-              <a:srgbClr val="000000">
-                <a:alpha val="38000"/>
-              </a:srgbClr>
-            </a:outerShdw>
-          </a:effectLst>
-        </a:effectStyle>
-        <a:effectStyle>
-          <a:effectLst>
-            <a:outerShdw blurRad="40000" dist="23000" dir="5400000" rotWithShape="0">
-              <a:srgbClr val="000000">
-                <a:alpha val="35000"/>
-              </a:srgbClr>
-            </a:outerShdw>
-          </a:effectLst>
-        </a:effectStyle>
-        <a:effectStyle>
-          <a:effectLst>
-            <a:outerShdw blurRad="40000" dist="23000" dir="5400000" rotWithShape="0">
-              <a:srgbClr val="000000">
-                <a:alpha val="35000"/>
-              </a:srgbClr>
-            </a:outerShdw>
-          </a:effectLst>
-          <a:scene3d>
-            <a:camera prst="orthographicFront">
-              <a:rot lat="0" lon="0" rev="0"/>
-            </a:camera>
-            <a:lightRig rig="threePt" dir="t">
-              <a:rot lat="0" lon="0" rev="1200000"/>
-            </a:lightRig>
-          </a:scene3d>
-          <a:sp3d>
-            <a:bevelT w="63500" h="25400"/>
-          </a:sp3d>
-        </a:effectStyle>
-      </a:effectStyleLst>
-      <a:bgFillStyleLst>
-        <a:solidFill>
-          <a:schemeClr val="phClr"/>
-        </a:solidFill>
-        <a:gradFill rotWithShape="1">
-          <a:gsLst>
-            <a:gs pos="0">
-              <a:schemeClr val="phClr">
-                <a:tint val="40000"/>
-                <a:satMod val="350000"/>
-              </a:schemeClr>
-            </a:gs>
-            <a:gs pos="40000">
-              <a:schemeClr val="phClr">
-                <a:tint val="45000"/>
-                <a:shade val="99000"/>
-                <a:satMod val="350000"/>
-              </a:schemeClr>
-            </a:gs>
-            <a:gs pos="100000">
-              <a:schemeClr val="phClr">
-                <a:shade val="20000"/>
-                <a:satMod val="255000"/>
-              </a:schemeClr>
-            </a:gs>
-          </a:gsLst>
-          <a:path path="circle">
-            <a:fillToRect l="50000" t="-80000" r="50000" b="180000"/>
-          </a:path>
-        </a:gradFill>
-        <a:gradFill rotWithShape="1">
-          <a:gsLst>
-            <a:gs pos="0">
-              <a:schemeClr val="phClr">
-                <a:tint val="80000"/>
-                <a:satMod val="300000"/>
-              </a:schemeClr>
-            </a:gs>
-            <a:gs pos="100000">
-              <a:schemeClr val="phClr">
-                <a:shade val="30000"/>
-                <a:satMod val="200000"/>
-              </a:schemeClr>
-            </a:gs>
-          </a:gsLst>
-          <a:path path="circle">
-            <a:fillToRect l="50000" t="50000" r="50000" b="50000"/>
-          </a:path>
-        </a:gradFill>
-      </a:bgFillStyleLst>
-    </a:fmtScheme>
-  </a:themeElements>
-</a:theme>
 </file>